--- a/Unterlagen/AbschlussPräsentationKunde.pptx
+++ b/Unterlagen/AbschlussPräsentationKunde.pptx
@@ -8,7 +8,7 @@
     <p:notesMasterId r:id="rId7"/>
   </p:notesMasterIdLst>
   <p:sldIdLst>
-    <p:sldId id="256" r:id="rId2"/>
+    <p:sldId id="274" r:id="rId2"/>
     <p:sldId id="270" r:id="rId3"/>
     <p:sldId id="273" r:id="rId4"/>
     <p:sldId id="267" r:id="rId5"/>
@@ -204,7 +204,7 @@
           <a:p>
             <a:fld id="{71D39D47-5B87-4144-A8AF-7BBCA174EEFA}" type="datetimeFigureOut">
               <a:rPr lang="de-DE" smtClean="0"/>
-              <a:t>17.06.2016</a:t>
+              <a:t>20.06.2016</a:t>
             </a:fld>
             <a:endParaRPr lang="de-DE"/>
           </a:p>
@@ -600,7 +600,7 @@
           <a:p>
             <a:fld id="{16AB9556-A9C4-405C-904C-D3F0A0F493D9}" type="datetimeFigureOut">
               <a:rPr lang="de-DE" smtClean="0"/>
-              <a:t>17.06.2016</a:t>
+              <a:t>20.06.2016</a:t>
             </a:fld>
             <a:endParaRPr lang="de-DE"/>
           </a:p>
@@ -768,7 +768,7 @@
           <a:p>
             <a:fld id="{16AB9556-A9C4-405C-904C-D3F0A0F493D9}" type="datetimeFigureOut">
               <a:rPr lang="de-DE" smtClean="0"/>
-              <a:t>17.06.2016</a:t>
+              <a:t>20.06.2016</a:t>
             </a:fld>
             <a:endParaRPr lang="de-DE"/>
           </a:p>
@@ -946,7 +946,7 @@
           <a:p>
             <a:fld id="{16AB9556-A9C4-405C-904C-D3F0A0F493D9}" type="datetimeFigureOut">
               <a:rPr lang="de-DE" smtClean="0"/>
-              <a:t>17.06.2016</a:t>
+              <a:t>20.06.2016</a:t>
             </a:fld>
             <a:endParaRPr lang="de-DE"/>
           </a:p>
@@ -1186,7 +1186,7 @@
           <a:p>
             <a:fld id="{16AB9556-A9C4-405C-904C-D3F0A0F493D9}" type="datetimeFigureOut">
               <a:rPr lang="de-DE" smtClean="0"/>
-              <a:t>17.06.2016</a:t>
+              <a:t>20.06.2016</a:t>
             </a:fld>
             <a:endParaRPr lang="de-DE"/>
           </a:p>
@@ -2417,7 +2417,7 @@
           <a:p>
             <a:fld id="{16AB9556-A9C4-405C-904C-D3F0A0F493D9}" type="datetimeFigureOut">
               <a:rPr lang="de-DE" smtClean="0"/>
-              <a:t>17.06.2016</a:t>
+              <a:t>20.06.2016</a:t>
             </a:fld>
             <a:endParaRPr lang="de-DE"/>
           </a:p>
@@ -2646,7 +2646,7 @@
           <a:p>
             <a:fld id="{16AB9556-A9C4-405C-904C-D3F0A0F493D9}" type="datetimeFigureOut">
               <a:rPr lang="de-DE" smtClean="0"/>
-              <a:t>17.06.2016</a:t>
+              <a:t>20.06.2016</a:t>
             </a:fld>
             <a:endParaRPr lang="de-DE"/>
           </a:p>
@@ -3010,7 +3010,7 @@
           <a:p>
             <a:fld id="{16AB9556-A9C4-405C-904C-D3F0A0F493D9}" type="datetimeFigureOut">
               <a:rPr lang="de-DE" smtClean="0"/>
-              <a:t>17.06.2016</a:t>
+              <a:t>20.06.2016</a:t>
             </a:fld>
             <a:endParaRPr lang="de-DE"/>
           </a:p>
@@ -3127,7 +3127,7 @@
           <a:p>
             <a:fld id="{16AB9556-A9C4-405C-904C-D3F0A0F493D9}" type="datetimeFigureOut">
               <a:rPr lang="de-DE" smtClean="0"/>
-              <a:t>17.06.2016</a:t>
+              <a:t>20.06.2016</a:t>
             </a:fld>
             <a:endParaRPr lang="de-DE"/>
           </a:p>
@@ -3222,7 +3222,7 @@
           <a:p>
             <a:fld id="{16AB9556-A9C4-405C-904C-D3F0A0F493D9}" type="datetimeFigureOut">
               <a:rPr lang="de-DE" smtClean="0"/>
-              <a:t>17.06.2016</a:t>
+              <a:t>20.06.2016</a:t>
             </a:fld>
             <a:endParaRPr lang="de-DE"/>
           </a:p>
@@ -3497,7 +3497,7 @@
           <a:p>
             <a:fld id="{16AB9556-A9C4-405C-904C-D3F0A0F493D9}" type="datetimeFigureOut">
               <a:rPr lang="de-DE" smtClean="0"/>
-              <a:t>17.06.2016</a:t>
+              <a:t>20.06.2016</a:t>
             </a:fld>
             <a:endParaRPr lang="de-DE"/>
           </a:p>
@@ -3749,7 +3749,7 @@
           <a:p>
             <a:fld id="{16AB9556-A9C4-405C-904C-D3F0A0F493D9}" type="datetimeFigureOut">
               <a:rPr lang="de-DE" smtClean="0"/>
-              <a:t>17.06.2016</a:t>
+              <a:t>20.06.2016</a:t>
             </a:fld>
             <a:endParaRPr lang="de-DE"/>
           </a:p>
@@ -3960,7 +3960,7 @@
           <a:p>
             <a:fld id="{16AB9556-A9C4-405C-904C-D3F0A0F493D9}" type="datetimeFigureOut">
               <a:rPr lang="de-DE" smtClean="0"/>
-              <a:t>17.06.2016</a:t>
+              <a:t>20.06.2016</a:t>
             </a:fld>
             <a:endParaRPr lang="de-DE"/>
           </a:p>
@@ -4365,152 +4365,153 @@
           <a:chExt cx="0" cy="0"/>
         </a:xfrm>
       </p:grpSpPr>
-      <p:sp>
-        <p:nvSpPr>
-          <p:cNvPr id="12" name="Abgerundetes Rechteck 11"/>
-          <p:cNvSpPr/>
+      <p:pic>
+        <p:nvPicPr>
+          <p:cNvPr id="4" name="Grafik 3"/>
+          <p:cNvPicPr>
+            <a:picLocks noChangeAspect="1"/>
+          </p:cNvPicPr>
+          <p:nvPr/>
+        </p:nvPicPr>
+        <p:blipFill>
+          <a:blip r:embed="rId2">
+            <a:extLst>
+              <a:ext uri="{28A0092B-C50C-407E-A947-70E740481C1C}">
+                <a14:useLocalDpi xmlns:a14="http://schemas.microsoft.com/office/drawing/2010/main" val="0"/>
+              </a:ext>
+            </a:extLst>
+          </a:blip>
+          <a:stretch>
+            <a:fillRect/>
+          </a:stretch>
+        </p:blipFill>
+        <p:spPr>
+          <a:xfrm flipH="1">
+            <a:off x="845820" y="1056639"/>
+            <a:ext cx="4494338" cy="4556760"/>
+          </a:xfrm>
+          <a:prstGeom prst="rect">
+            <a:avLst/>
+          </a:prstGeom>
+        </p:spPr>
+      </p:pic>
+      <p:grpSp>
+        <p:nvGrpSpPr>
+          <p:cNvPr id="17" name="Gruppieren 16"/>
+          <p:cNvGrpSpPr/>
+          <p:nvPr/>
+        </p:nvGrpSpPr>
+        <p:grpSpPr>
+          <a:xfrm>
+            <a:off x="845820" y="1056639"/>
+            <a:ext cx="11172009" cy="4771070"/>
+            <a:chOff x="794531" y="1862042"/>
+            <a:chExt cx="11172009" cy="4771070"/>
+          </a:xfrm>
+        </p:grpSpPr>
+        <p:pic>
+          <p:nvPicPr>
+            <p:cNvPr id="13" name="Grafik 12"/>
+            <p:cNvPicPr>
+              <a:picLocks noChangeAspect="1"/>
+            </p:cNvPicPr>
+            <p:nvPr/>
+          </p:nvPicPr>
+          <p:blipFill>
+            <a:blip r:embed="rId2">
+              <a:extLst>
+                <a:ext uri="{28A0092B-C50C-407E-A947-70E740481C1C}">
+                  <a14:useLocalDpi xmlns:a14="http://schemas.microsoft.com/office/drawing/2010/main" val="0"/>
+                </a:ext>
+              </a:extLst>
+            </a:blip>
+            <a:stretch>
+              <a:fillRect/>
+            </a:stretch>
+          </p:blipFill>
+          <p:spPr>
+            <a:xfrm flipH="1">
+              <a:off x="794531" y="1862042"/>
+              <a:ext cx="4494338" cy="4556760"/>
+            </a:xfrm>
+            <a:prstGeom prst="rect">
+              <a:avLst/>
+            </a:prstGeom>
+          </p:spPr>
+        </p:pic>
+        <p:grpSp>
+          <p:nvGrpSpPr>
+            <p:cNvPr id="14" name="Gruppieren 13"/>
+            <p:cNvGrpSpPr/>
+            <p:nvPr/>
+          </p:nvGrpSpPr>
+          <p:grpSpPr>
+            <a:xfrm>
+              <a:off x="4253265" y="3019322"/>
+              <a:ext cx="7713275" cy="3613790"/>
+              <a:chOff x="4304554" y="2213919"/>
+              <a:chExt cx="7713275" cy="3613790"/>
+            </a:xfrm>
+          </p:grpSpPr>
+          <p:pic>
+            <p:nvPicPr>
+              <p:cNvPr id="15" name="Grafik 14"/>
+              <p:cNvPicPr>
+                <a:picLocks noChangeAspect="1"/>
+              </p:cNvPicPr>
+              <p:nvPr/>
+            </p:nvPicPr>
+            <p:blipFill rotWithShape="1">
+              <a:blip r:embed="rId3"/>
+              <a:srcRect r="11715"/>
+              <a:stretch/>
+            </p:blipFill>
+            <p:spPr>
+              <a:xfrm>
+                <a:off x="4304554" y="2505387"/>
+                <a:ext cx="7713275" cy="3322322"/>
+              </a:xfrm>
+              <a:prstGeom prst="rect">
+                <a:avLst/>
+              </a:prstGeom>
+            </p:spPr>
+          </p:pic>
+          <p:pic>
+            <p:nvPicPr>
+              <p:cNvPr id="16" name="Grafik 15"/>
+              <p:cNvPicPr>
+                <a:picLocks noChangeAspect="1"/>
+              </p:cNvPicPr>
+              <p:nvPr/>
+            </p:nvPicPr>
+            <p:blipFill>
+              <a:blip r:embed="rId4"/>
+              <a:stretch>
+                <a:fillRect/>
+              </a:stretch>
+            </p:blipFill>
+            <p:spPr>
+              <a:xfrm>
+                <a:off x="4908320" y="2213919"/>
+                <a:ext cx="6163590" cy="1926503"/>
+              </a:xfrm>
+              <a:prstGeom prst="rect">
+                <a:avLst/>
+              </a:prstGeom>
+            </p:spPr>
+          </p:pic>
+        </p:grpSp>
+      </p:grpSp>
+      <p:sp>
+        <p:nvSpPr>
+          <p:cNvPr id="18" name="Textfeld 17"/>
+          <p:cNvSpPr txBox="1"/>
           <p:nvPr/>
         </p:nvSpPr>
         <p:spPr>
           <a:xfrm>
-            <a:off x="-485453" y="1839871"/>
-            <a:ext cx="9585910" cy="2380342"/>
-          </a:xfrm>
-          <a:prstGeom prst="roundRect">
-            <a:avLst/>
-          </a:prstGeom>
-          <a:solidFill>
-            <a:srgbClr val="CC9900"/>
-          </a:solidFill>
-          <a:ln w="76200">
-            <a:solidFill>
-              <a:srgbClr val="CC9900"/>
-            </a:solidFill>
-          </a:ln>
-        </p:spPr>
-        <p:style>
-          <a:lnRef idx="2">
-            <a:schemeClr val="accent1">
-              <a:shade val="50000"/>
-            </a:schemeClr>
-          </a:lnRef>
-          <a:fillRef idx="1">
-            <a:schemeClr val="accent1"/>
-          </a:fillRef>
-          <a:effectRef idx="0">
-            <a:schemeClr val="accent1"/>
-          </a:effectRef>
-          <a:fontRef idx="minor">
-            <a:schemeClr val="lt1"/>
-          </a:fontRef>
-        </p:style>
-        <p:txBody>
-          <a:bodyPr rtlCol="0" anchor="ctr"/>
-          <a:lstStyle/>
-          <a:p>
-            <a:pPr algn="ctr"/>
-            <a:endParaRPr lang="de-DE"/>
-          </a:p>
-        </p:txBody>
-      </p:sp>
-      <p:sp>
-        <p:nvSpPr>
-          <p:cNvPr id="2" name="Titel 1"/>
-          <p:cNvSpPr>
-            <a:spLocks noGrp="1"/>
-          </p:cNvSpPr>
-          <p:nvPr>
-            <p:ph type="ctrTitle"/>
-          </p:nvPr>
-        </p:nvSpPr>
-        <p:spPr>
-          <a:xfrm>
-            <a:off x="304800" y="1853081"/>
-            <a:ext cx="8650517" cy="2387600"/>
-          </a:xfrm>
-        </p:spPr>
-        <p:txBody>
-          <a:bodyPr anchor="ctr">
-            <a:noAutofit/>
-          </a:bodyPr>
-          <a:lstStyle/>
-          <a:p>
-            <a:pPr algn="r"/>
-            <a:r>
-              <a:rPr lang="de-DE" sz="9600" b="1" dirty="0">
-                <a:solidFill>
-                  <a:schemeClr val="bg1"/>
-                </a:solidFill>
-              </a:rPr>
-              <a:t>Spielentwicklung</a:t>
-            </a:r>
-          </a:p>
-        </p:txBody>
-      </p:sp>
-      <p:sp>
-        <p:nvSpPr>
-          <p:cNvPr id="6" name="Abgerundetes Rechteck 5"/>
-          <p:cNvSpPr/>
-          <p:nvPr/>
-        </p:nvSpPr>
-        <p:spPr>
-          <a:xfrm>
-            <a:off x="8789177" y="5571325"/>
-            <a:ext cx="4162926" cy="1094874"/>
-          </a:xfrm>
-          <a:prstGeom prst="roundRect">
-            <a:avLst/>
-          </a:prstGeom>
-          <a:noFill/>
-          <a:ln>
-            <a:noFill/>
-          </a:ln>
-        </p:spPr>
-        <p:style>
-          <a:lnRef idx="2">
-            <a:schemeClr val="accent1">
-              <a:shade val="50000"/>
-            </a:schemeClr>
-          </a:lnRef>
-          <a:fillRef idx="1">
-            <a:schemeClr val="accent1"/>
-          </a:fillRef>
-          <a:effectRef idx="0">
-            <a:schemeClr val="accent1"/>
-          </a:effectRef>
-          <a:fontRef idx="minor">
-            <a:schemeClr val="lt1"/>
-          </a:fontRef>
-        </p:style>
-        <p:txBody>
-          <a:bodyPr rtlCol="0" anchor="ctr"/>
-          <a:lstStyle/>
-          <a:p>
-            <a:pPr algn="ctr"/>
-            <a:r>
-              <a:rPr lang="de-DE" sz="7200" b="1" dirty="0">
-                <a:solidFill>
-                  <a:schemeClr val="tx1"/>
-                </a:solidFill>
-                <a:latin typeface="Maiandra GD" panose="020E0502030308020204" pitchFamily="34" charset="0"/>
-                <a:ea typeface="Arial Unicode MS" panose="020B0604020202020204" pitchFamily="34" charset="-128"/>
-                <a:cs typeface="Arial Unicode MS" panose="020B0604020202020204" pitchFamily="34" charset="-128"/>
-              </a:rPr>
-              <a:t>Team</a:t>
-            </a:r>
-          </a:p>
-        </p:txBody>
-      </p:sp>
-      <p:sp>
-        <p:nvSpPr>
-          <p:cNvPr id="7" name="Textfeld 6"/>
-          <p:cNvSpPr txBox="1"/>
-          <p:nvPr/>
-        </p:nvSpPr>
-        <p:spPr>
-          <a:xfrm rot="20874572">
-            <a:off x="10642384" y="5961748"/>
-            <a:ext cx="3176337" cy="646331"/>
+            <a:off x="152400" y="6496050"/>
+            <a:ext cx="11906250" cy="646331"/>
           </a:xfrm>
           <a:prstGeom prst="rect">
             <a:avLst/>
@@ -4523,125 +4524,70 @@
           </a:bodyPr>
           <a:lstStyle/>
           <a:p>
-            <a:r>
-              <a:rPr lang="de-DE" sz="3600" b="1" dirty="0">
-                <a:ln w="76200">
-                  <a:solidFill>
-                    <a:schemeClr val="bg1"/>
-                  </a:solidFill>
-                </a:ln>
-                <a:solidFill>
-                  <a:schemeClr val="bg1"/>
-                </a:solidFill>
-                <a:latin typeface="Lucida Handwriting" panose="03010101010101010101" pitchFamily="66" charset="0"/>
+            <a:pPr algn="ctr"/>
+            <a:r>
+              <a:rPr lang="de-DE" b="1" dirty="0" err="1">
+                <a:latin typeface="Maiandra GD" panose="020E0502030308020204" pitchFamily="34" charset="0"/>
+                <a:ea typeface="Arial Unicode MS" panose="020B0604020202020204" pitchFamily="34" charset="-128"/>
+                <a:cs typeface="Arial Unicode MS" panose="020B0604020202020204" pitchFamily="34" charset="-128"/>
               </a:rPr>
-              <a:t>Gold</a:t>
-            </a:r>
-          </a:p>
-        </p:txBody>
-      </p:sp>
-      <p:sp>
-        <p:nvSpPr>
-          <p:cNvPr id="11" name="Textfeld 10"/>
-          <p:cNvSpPr txBox="1"/>
-          <p:nvPr/>
-        </p:nvSpPr>
-        <p:spPr>
-          <a:xfrm rot="20874572">
-            <a:off x="10642384" y="5961748"/>
-            <a:ext cx="3176337" cy="646331"/>
-          </a:xfrm>
-          <a:prstGeom prst="rect">
-            <a:avLst/>
-          </a:prstGeom>
-          <a:noFill/>
-        </p:spPr>
-        <p:txBody>
-          <a:bodyPr wrap="square" rtlCol="0">
-            <a:spAutoFit/>
-          </a:bodyPr>
-          <a:lstStyle/>
-          <a:p>
-            <a:r>
-              <a:rPr lang="de-DE" sz="3600" b="1" dirty="0">
-                <a:ln w="28575">
-                  <a:solidFill>
-                    <a:srgbClr val="CC9900"/>
-                  </a:solidFill>
-                </a:ln>
-                <a:solidFill>
-                  <a:srgbClr val="CC9900"/>
-                </a:solidFill>
-                <a:latin typeface="Lucida Handwriting" panose="03010101010101010101" pitchFamily="66" charset="0"/>
+              <a:t>by</a:t>
+            </a:r>
+            <a:r>
+              <a:rPr lang="de-DE" b="1" dirty="0">
+                <a:latin typeface="Maiandra GD" panose="020E0502030308020204" pitchFamily="34" charset="0"/>
+                <a:ea typeface="Arial Unicode MS" panose="020B0604020202020204" pitchFamily="34" charset="-128"/>
+                <a:cs typeface="Arial Unicode MS" panose="020B0604020202020204" pitchFamily="34" charset="-128"/>
               </a:rPr>
-              <a:t>Gold</a:t>
-            </a:r>
-          </a:p>
-        </p:txBody>
-      </p:sp>
-      <p:sp>
-        <p:nvSpPr>
-          <p:cNvPr id="3" name="Textfeld 2"/>
-          <p:cNvSpPr txBox="1"/>
-          <p:nvPr/>
-        </p:nvSpPr>
-        <p:spPr>
-          <a:xfrm>
-            <a:off x="0" y="4240681"/>
-            <a:ext cx="9100457" cy="400110"/>
-          </a:xfrm>
-          <a:prstGeom prst="rect">
-            <a:avLst/>
-          </a:prstGeom>
-          <a:noFill/>
-        </p:spPr>
-        <p:txBody>
-          <a:bodyPr wrap="square" rtlCol="0">
-            <a:spAutoFit/>
-          </a:bodyPr>
-          <a:lstStyle/>
-          <a:p>
-            <a:pPr algn="ctr"/>
-            <a:r>
-              <a:rPr lang="de-DE" sz="2000" b="1" dirty="0">
-                <a:solidFill>
-                  <a:srgbClr val="CC9900"/>
-                </a:solidFill>
-                <a:latin typeface="+mj-lt"/>
-                <a:ea typeface="+mj-ea"/>
-                <a:cs typeface="+mj-cs"/>
+              <a:t> Christian Seifert, Daniel Spaniol, Jeannine </a:t>
+            </a:r>
+            <a:r>
+              <a:rPr lang="de-DE" b="1" dirty="0" err="1">
+                <a:latin typeface="Maiandra GD" panose="020E0502030308020204" pitchFamily="34" charset="0"/>
+                <a:ea typeface="Arial Unicode MS" panose="020B0604020202020204" pitchFamily="34" charset="-128"/>
+                <a:cs typeface="Arial Unicode MS" panose="020B0604020202020204" pitchFamily="34" charset="-128"/>
               </a:rPr>
-              <a:t>Christian Seifert, Daniel Spaniol, Jeannine Westerkamp, Jonas </a:t>
-            </a:r>
-            <a:r>
-              <a:rPr lang="de-DE" sz="2000" b="1" dirty="0" err="1">
-                <a:solidFill>
-                  <a:srgbClr val="CC9900"/>
-                </a:solidFill>
-                <a:latin typeface="+mj-lt"/>
-                <a:ea typeface="+mj-ea"/>
-                <a:cs typeface="+mj-cs"/>
+              <a:t>Westerkamp</a:t>
+            </a:r>
+            <a:r>
+              <a:rPr lang="de-DE" b="1" dirty="0">
+                <a:latin typeface="Maiandra GD" panose="020E0502030308020204" pitchFamily="34" charset="0"/>
+                <a:ea typeface="Arial Unicode MS" panose="020B0604020202020204" pitchFamily="34" charset="-128"/>
+                <a:cs typeface="Arial Unicode MS" panose="020B0604020202020204" pitchFamily="34" charset="-128"/>
+              </a:rPr>
+              <a:t>, Jonas </a:t>
+            </a:r>
+            <a:r>
+              <a:rPr lang="de-DE" b="1" dirty="0" err="1">
+                <a:latin typeface="Maiandra GD" panose="020E0502030308020204" pitchFamily="34" charset="0"/>
+                <a:ea typeface="Arial Unicode MS" panose="020B0604020202020204" pitchFamily="34" charset="-128"/>
+                <a:cs typeface="Arial Unicode MS" panose="020B0604020202020204" pitchFamily="34" charset="-128"/>
               </a:rPr>
               <a:t>Häßel</a:t>
             </a:r>
             <a:r>
-              <a:rPr lang="de-DE" sz="2000" b="1" dirty="0">
-                <a:solidFill>
-                  <a:srgbClr val="CC9900"/>
-                </a:solidFill>
-                <a:latin typeface="+mj-lt"/>
-                <a:ea typeface="+mj-ea"/>
-                <a:cs typeface="+mj-cs"/>
+              <a:rPr lang="de-DE" b="1" dirty="0">
+                <a:latin typeface="Maiandra GD" panose="020E0502030308020204" pitchFamily="34" charset="0"/>
+                <a:ea typeface="Arial Unicode MS" panose="020B0604020202020204" pitchFamily="34" charset="-128"/>
+                <a:cs typeface="Arial Unicode MS" panose="020B0604020202020204" pitchFamily="34" charset="-128"/>
               </a:rPr>
               <a:t>, Sascha Auer</a:t>
             </a:r>
+          </a:p>
+          <a:p>
+            <a:pPr algn="ctr"/>
+            <a:endParaRPr lang="de-DE" b="1" dirty="0">
+              <a:latin typeface="Maiandra GD" panose="020E0502030308020204" pitchFamily="34" charset="0"/>
+              <a:ea typeface="Arial Unicode MS" panose="020B0604020202020204" pitchFamily="34" charset="-128"/>
+              <a:cs typeface="Arial Unicode MS" panose="020B0604020202020204" pitchFamily="34" charset="-128"/>
+            </a:endParaRPr>
           </a:p>
         </p:txBody>
       </p:sp>
     </p:spTree>
     <p:extLst>
       <p:ext uri="{BB962C8B-B14F-4D97-AF65-F5344CB8AC3E}">
-        <p14:creationId xmlns:p14="http://schemas.microsoft.com/office/powerpoint/2010/main" val="2690351228"/>
+        <p14:creationId xmlns:p14="http://schemas.microsoft.com/office/powerpoint/2010/main" val="400370631"/>
       </p:ext>
     </p:extLst>
   </p:cSld>
@@ -4669,7 +4615,7 @@
                             </p:stCondLst>
                             <p:childTnLst>
                               <p:par>
-                                <p:cTn id="5" presetID="2" presetClass="entr" presetSubtype="8" fill="hold" grpId="0" nodeType="clickEffect">
+                                <p:cTn id="5" presetID="15" presetClass="entr" presetSubtype="0" fill="hold" nodeType="clickEffect">
                                   <p:stCondLst>
                                     <p:cond delay="0"/>
                                   </p:stCondLst>
@@ -4682,7 +4628,7 @@
                                           </p:stCondLst>
                                         </p:cTn>
                                         <p:tgtEl>
-                                          <p:spTgt spid="3"/>
+                                          <p:spTgt spid="4"/>
                                         </p:tgtEl>
                                         <p:attrNameLst>
                                           <p:attrName>style.visibility</p:attrName>
@@ -4693,47 +4639,93 @@
                                       </p:to>
                                     </p:set>
                                     <p:anim calcmode="lin" valueType="num">
-                                      <p:cBhvr additive="base">
-                                        <p:cTn id="7" dur="500" fill="hold"/>
-                                        <p:tgtEl>
-                                          <p:spTgt spid="3"/>
+                                      <p:cBhvr>
+                                        <p:cTn id="7" dur="1500" fill="hold"/>
+                                        <p:tgtEl>
+                                          <p:spTgt spid="4"/>
+                                        </p:tgtEl>
+                                        <p:attrNameLst>
+                                          <p:attrName>ppt_w</p:attrName>
+                                        </p:attrNameLst>
+                                      </p:cBhvr>
+                                      <p:tavLst>
+                                        <p:tav tm="0">
+                                          <p:val>
+                                            <p:fltVal val="0"/>
+                                          </p:val>
+                                        </p:tav>
+                                        <p:tav tm="100000">
+                                          <p:val>
+                                            <p:strVal val="#ppt_w"/>
+                                          </p:val>
+                                        </p:tav>
+                                      </p:tavLst>
+                                    </p:anim>
+                                    <p:anim calcmode="lin" valueType="num">
+                                      <p:cBhvr>
+                                        <p:cTn id="8" dur="1500" fill="hold"/>
+                                        <p:tgtEl>
+                                          <p:spTgt spid="4"/>
+                                        </p:tgtEl>
+                                        <p:attrNameLst>
+                                          <p:attrName>ppt_h</p:attrName>
+                                        </p:attrNameLst>
+                                      </p:cBhvr>
+                                      <p:tavLst>
+                                        <p:tav tm="0">
+                                          <p:val>
+                                            <p:fltVal val="0"/>
+                                          </p:val>
+                                        </p:tav>
+                                        <p:tav tm="100000">
+                                          <p:val>
+                                            <p:strVal val="#ppt_h"/>
+                                          </p:val>
+                                        </p:tav>
+                                      </p:tavLst>
+                                    </p:anim>
+                                    <p:anim calcmode="lin" valueType="num">
+                                      <p:cBhvr>
+                                        <p:cTn id="9" dur="1500" fill="hold"/>
+                                        <p:tgtEl>
+                                          <p:spTgt spid="4"/>
                                         </p:tgtEl>
                                         <p:attrNameLst>
                                           <p:attrName>ppt_x</p:attrName>
                                         </p:attrNameLst>
                                       </p:cBhvr>
                                       <p:tavLst>
-                                        <p:tav tm="0">
-                                          <p:val>
-                                            <p:strVal val="0-#ppt_w/2"/>
+                                        <p:tav tm="0" fmla="#ppt_x+(cos(-2*pi*(1-$))*-#ppt_x-sin(-2*pi*(1-$))*(1-#ppt_y))*(1-$)">
+                                          <p:val>
+                                            <p:fltVal val="0"/>
                                           </p:val>
                                         </p:tav>
                                         <p:tav tm="100000">
                                           <p:val>
-                                            <p:strVal val="#ppt_x"/>
+                                            <p:fltVal val="1"/>
                                           </p:val>
                                         </p:tav>
                                       </p:tavLst>
                                     </p:anim>
                                     <p:anim calcmode="lin" valueType="num">
-                                      <p:cBhvr additive="base">
-                                        <p:cTn id="8" dur="500" fill="hold"/>
-                                        <p:tgtEl>
-                                          <p:spTgt spid="3"/>
+                                      <p:cBhvr>
+                                        <p:cTn id="10" dur="1500" fill="hold"/>
+                                        <p:tgtEl>
+                                          <p:spTgt spid="4"/>
                                         </p:tgtEl>
                                         <p:attrNameLst>
                                           <p:attrName>ppt_y</p:attrName>
                                         </p:attrNameLst>
                                       </p:cBhvr>
                                       <p:tavLst>
-                                        <p:tav tm="0">
-                                          <p:val>
-                                            <p:strVal val="#ppt_y"/>
+                                        <p:tav tm="0" fmla="#ppt_y+(sin(-2*pi*(1-$))*-#ppt_x+cos(-2*pi*(1-$))*(1-#ppt_y))*(1-$)">
+                                          <p:val>
+                                            <p:fltVal val="0"/>
                                           </p:val>
                                         </p:tav>
                                         <p:tav tm="100000">
                                           <p:val>
-                                            <p:strVal val="#ppt_y"/>
+                                            <p:fltVal val="1"/>
                                           </p:val>
                                         </p:tav>
                                       </p:tavLst>
@@ -4745,86 +4737,40 @@
                           </p:cTn>
                         </p:par>
                         <p:par>
-                          <p:cTn id="9" fill="hold">
+                          <p:cTn id="11" fill="hold">
                             <p:stCondLst>
-                              <p:cond delay="500"/>
+                              <p:cond delay="1500"/>
                             </p:stCondLst>
                             <p:childTnLst>
                               <p:par>
-                                <p:cTn id="10" presetID="2" presetClass="entr" presetSubtype="8" fill="hold" grpId="0" nodeType="afterEffect">
+                                <p:cTn id="12" presetID="1" presetClass="exit" presetSubtype="0" fill="hold" nodeType="afterEffect">
                                   <p:stCondLst>
                                     <p:cond delay="0"/>
                                   </p:stCondLst>
                                   <p:childTnLst>
                                     <p:set>
                                       <p:cBhvr>
-                                        <p:cTn id="11" dur="1" fill="hold">
+                                        <p:cTn id="13" dur="1" fill="hold">
                                           <p:stCondLst>
                                             <p:cond delay="0"/>
                                           </p:stCondLst>
                                         </p:cTn>
                                         <p:tgtEl>
-                                          <p:spTgt spid="6"/>
+                                          <p:spTgt spid="4"/>
                                         </p:tgtEl>
                                         <p:attrNameLst>
                                           <p:attrName>style.visibility</p:attrName>
                                         </p:attrNameLst>
                                       </p:cBhvr>
                                       <p:to>
-                                        <p:strVal val="visible"/>
+                                        <p:strVal val="hidden"/>
                                       </p:to>
                                     </p:set>
-                                    <p:anim calcmode="lin" valueType="num">
-                                      <p:cBhvr additive="base">
-                                        <p:cTn id="12" dur="1000" fill="hold"/>
-                                        <p:tgtEl>
-                                          <p:spTgt spid="6"/>
-                                        </p:tgtEl>
-                                        <p:attrNameLst>
-                                          <p:attrName>ppt_x</p:attrName>
-                                        </p:attrNameLst>
-                                      </p:cBhvr>
-                                      <p:tavLst>
-                                        <p:tav tm="0">
-                                          <p:val>
-                                            <p:strVal val="0-#ppt_w/2"/>
-                                          </p:val>
-                                        </p:tav>
-                                        <p:tav tm="100000">
-                                          <p:val>
-                                            <p:strVal val="#ppt_x"/>
-                                          </p:val>
-                                        </p:tav>
-                                      </p:tavLst>
-                                    </p:anim>
-                                    <p:anim calcmode="lin" valueType="num">
-                                      <p:cBhvr additive="base">
-                                        <p:cTn id="13" dur="1000" fill="hold"/>
-                                        <p:tgtEl>
-                                          <p:spTgt spid="6"/>
-                                        </p:tgtEl>
-                                        <p:attrNameLst>
-                                          <p:attrName>ppt_y</p:attrName>
-                                        </p:attrNameLst>
-                                      </p:cBhvr>
-                                      <p:tavLst>
-                                        <p:tav tm="0">
-                                          <p:val>
-                                            <p:strVal val="#ppt_y"/>
-                                          </p:val>
-                                        </p:tav>
-                                        <p:tav tm="100000">
-                                          <p:val>
-                                            <p:strVal val="#ppt_y"/>
-                                          </p:val>
-                                        </p:tav>
-                                      </p:tavLst>
-                                    </p:anim>
                                   </p:childTnLst>
                                 </p:cTn>
                               </p:par>
                               <p:par>
-                                <p:cTn id="14" presetID="2" presetClass="entr" presetSubtype="2" fill="hold" grpId="0" nodeType="withEffect">
+                                <p:cTn id="14" presetID="1" presetClass="entr" presetSubtype="0" fill="hold" nodeType="withEffect">
                                   <p:stCondLst>
                                     <p:cond delay="0"/>
                                   </p:stCondLst>
@@ -4837,7 +4783,7 @@
                                           </p:stCondLst>
                                         </p:cTn>
                                         <p:tgtEl>
-                                          <p:spTgt spid="7"/>
+                                          <p:spTgt spid="17"/>
                                         </p:tgtEl>
                                         <p:attrNameLst>
                                           <p:attrName>style.visibility</p:attrName>
@@ -4847,125 +4793,6 @@
                                         <p:strVal val="visible"/>
                                       </p:to>
                                     </p:set>
-                                    <p:anim calcmode="lin" valueType="num">
-                                      <p:cBhvr additive="base">
-                                        <p:cTn id="16" dur="1000" fill="hold"/>
-                                        <p:tgtEl>
-                                          <p:spTgt spid="7"/>
-                                        </p:tgtEl>
-                                        <p:attrNameLst>
-                                          <p:attrName>ppt_x</p:attrName>
-                                        </p:attrNameLst>
-                                      </p:cBhvr>
-                                      <p:tavLst>
-                                        <p:tav tm="0">
-                                          <p:val>
-                                            <p:strVal val="1+#ppt_w/2"/>
-                                          </p:val>
-                                        </p:tav>
-                                        <p:tav tm="100000">
-                                          <p:val>
-                                            <p:strVal val="#ppt_x"/>
-                                          </p:val>
-                                        </p:tav>
-                                      </p:tavLst>
-                                    </p:anim>
-                                    <p:anim calcmode="lin" valueType="num">
-                                      <p:cBhvr additive="base">
-                                        <p:cTn id="17" dur="1000" fill="hold"/>
-                                        <p:tgtEl>
-                                          <p:spTgt spid="7"/>
-                                        </p:tgtEl>
-                                        <p:attrNameLst>
-                                          <p:attrName>ppt_y</p:attrName>
-                                        </p:attrNameLst>
-                                      </p:cBhvr>
-                                      <p:tavLst>
-                                        <p:tav tm="0">
-                                          <p:val>
-                                            <p:strVal val="#ppt_y"/>
-                                          </p:val>
-                                        </p:tav>
-                                        <p:tav tm="100000">
-                                          <p:val>
-                                            <p:strVal val="#ppt_y"/>
-                                          </p:val>
-                                        </p:tav>
-                                      </p:tavLst>
-                                    </p:anim>
-                                  </p:childTnLst>
-                                </p:cTn>
-                              </p:par>
-                              <p:par>
-                                <p:cTn id="18" presetID="2" presetClass="entr" presetSubtype="2" fill="hold" grpId="0" nodeType="withEffect">
-                                  <p:stCondLst>
-                                    <p:cond delay="0"/>
-                                  </p:stCondLst>
-                                  <p:childTnLst>
-                                    <p:set>
-                                      <p:cBhvr>
-                                        <p:cTn id="19" dur="1" fill="hold">
-                                          <p:stCondLst>
-                                            <p:cond delay="0"/>
-                                          </p:stCondLst>
-                                        </p:cTn>
-                                        <p:tgtEl>
-                                          <p:spTgt spid="11"/>
-                                        </p:tgtEl>
-                                        <p:attrNameLst>
-                                          <p:attrName>style.visibility</p:attrName>
-                                        </p:attrNameLst>
-                                      </p:cBhvr>
-                                      <p:to>
-                                        <p:strVal val="visible"/>
-                                      </p:to>
-                                    </p:set>
-                                    <p:anim calcmode="lin" valueType="num">
-                                      <p:cBhvr additive="base">
-                                        <p:cTn id="20" dur="1000" fill="hold"/>
-                                        <p:tgtEl>
-                                          <p:spTgt spid="11"/>
-                                        </p:tgtEl>
-                                        <p:attrNameLst>
-                                          <p:attrName>ppt_x</p:attrName>
-                                        </p:attrNameLst>
-                                      </p:cBhvr>
-                                      <p:tavLst>
-                                        <p:tav tm="0">
-                                          <p:val>
-                                            <p:strVal val="1+#ppt_w/2"/>
-                                          </p:val>
-                                        </p:tav>
-                                        <p:tav tm="100000">
-                                          <p:val>
-                                            <p:strVal val="#ppt_x"/>
-                                          </p:val>
-                                        </p:tav>
-                                      </p:tavLst>
-                                    </p:anim>
-                                    <p:anim calcmode="lin" valueType="num">
-                                      <p:cBhvr additive="base">
-                                        <p:cTn id="21" dur="1000" fill="hold"/>
-                                        <p:tgtEl>
-                                          <p:spTgt spid="11"/>
-                                        </p:tgtEl>
-                                        <p:attrNameLst>
-                                          <p:attrName>ppt_y</p:attrName>
-                                        </p:attrNameLst>
-                                      </p:cBhvr>
-                                      <p:tavLst>
-                                        <p:tav tm="0">
-                                          <p:val>
-                                            <p:strVal val="#ppt_y"/>
-                                          </p:val>
-                                        </p:tav>
-                                        <p:tav tm="100000">
-                                          <p:val>
-                                            <p:strVal val="#ppt_y"/>
-                                          </p:val>
-                                        </p:tav>
-                                      </p:tavLst>
-                                    </p:anim>
                                   </p:childTnLst>
                                 </p:cTn>
                               </p:par>
@@ -4973,30 +4800,30 @@
                           </p:cTn>
                         </p:par>
                         <p:par>
-                          <p:cTn id="22" fill="hold">
+                          <p:cTn id="16" fill="hold">
                             <p:stCondLst>
                               <p:cond delay="1500"/>
                             </p:stCondLst>
                             <p:childTnLst>
                               <p:par>
-                                <p:cTn id="23" presetID="26" presetClass="emph" presetSubtype="0" fill="hold" grpId="1" nodeType="afterEffect">
+                                <p:cTn id="17" presetID="26" presetClass="emph" presetSubtype="0" fill="hold" nodeType="afterEffect">
                                   <p:stCondLst>
                                     <p:cond delay="0"/>
                                   </p:stCondLst>
                                   <p:childTnLst>
                                     <p:animEffect transition="out" filter="fade">
                                       <p:cBhvr>
-                                        <p:cTn id="24" dur="1000" tmFilter="0, 0; .2, .5; .8, .5; 1, 0"/>
-                                        <p:tgtEl>
-                                          <p:spTgt spid="6"/>
+                                        <p:cTn id="18" dur="500" tmFilter="0, 0; .2, .5; .8, .5; 1, 0"/>
+                                        <p:tgtEl>
+                                          <p:spTgt spid="17"/>
                                         </p:tgtEl>
                                       </p:cBhvr>
                                     </p:animEffect>
                                     <p:animScale>
                                       <p:cBhvr>
-                                        <p:cTn id="25" dur="500" autoRev="1" fill="hold"/>
-                                        <p:tgtEl>
-                                          <p:spTgt spid="6"/>
+                                        <p:cTn id="19" dur="250" autoRev="1" fill="hold"/>
+                                        <p:tgtEl>
+                                          <p:spTgt spid="17"/>
                                         </p:tgtEl>
                                       </p:cBhvr>
                                       <p:by x="105000" y="105000"/>
@@ -5004,29 +4831,85 @@
                                   </p:childTnLst>
                                 </p:cTn>
                               </p:par>
+                            </p:childTnLst>
+                          </p:cTn>
+                        </p:par>
+                        <p:par>
+                          <p:cTn id="20" fill="hold">
+                            <p:stCondLst>
+                              <p:cond delay="2000"/>
+                            </p:stCondLst>
+                            <p:childTnLst>
                               <p:par>
-                                <p:cTn id="26" presetID="26" presetClass="emph" presetSubtype="0" fill="hold" grpId="1" nodeType="withEffect">
+                                <p:cTn id="21" presetID="2" presetClass="entr" presetSubtype="4" fill="hold" grpId="0" nodeType="afterEffect">
                                   <p:stCondLst>
                                     <p:cond delay="0"/>
                                   </p:stCondLst>
                                   <p:childTnLst>
-                                    <p:animEffect transition="out" filter="fade">
+                                    <p:set>
                                       <p:cBhvr>
-                                        <p:cTn id="27" dur="1250" tmFilter="0, 0; .2, .5; .8, .5; 1, 0"/>
-                                        <p:tgtEl>
-                                          <p:spTgt spid="11"/>
-                                        </p:tgtEl>
-                                      </p:cBhvr>
-                                    </p:animEffect>
-                                    <p:animScale>
-                                      <p:cBhvr>
-                                        <p:cTn id="28" dur="625" autoRev="1" fill="hold"/>
-                                        <p:tgtEl>
-                                          <p:spTgt spid="11"/>
-                                        </p:tgtEl>
-                                      </p:cBhvr>
-                                      <p:by x="105000" y="105000"/>
-                                    </p:animScale>
+                                        <p:cTn id="22" dur="1" fill="hold">
+                                          <p:stCondLst>
+                                            <p:cond delay="0"/>
+                                          </p:stCondLst>
+                                        </p:cTn>
+                                        <p:tgtEl>
+                                          <p:spTgt spid="18"/>
+                                        </p:tgtEl>
+                                        <p:attrNameLst>
+                                          <p:attrName>style.visibility</p:attrName>
+                                        </p:attrNameLst>
+                                      </p:cBhvr>
+                                      <p:to>
+                                        <p:strVal val="visible"/>
+                                      </p:to>
+                                    </p:set>
+                                    <p:anim calcmode="lin" valueType="num">
+                                      <p:cBhvr additive="base">
+                                        <p:cTn id="23" dur="500" fill="hold"/>
+                                        <p:tgtEl>
+                                          <p:spTgt spid="18"/>
+                                        </p:tgtEl>
+                                        <p:attrNameLst>
+                                          <p:attrName>ppt_x</p:attrName>
+                                        </p:attrNameLst>
+                                      </p:cBhvr>
+                                      <p:tavLst>
+                                        <p:tav tm="0">
+                                          <p:val>
+                                            <p:strVal val="#ppt_x"/>
+                                          </p:val>
+                                        </p:tav>
+                                        <p:tav tm="100000">
+                                          <p:val>
+                                            <p:strVal val="#ppt_x"/>
+                                          </p:val>
+                                        </p:tav>
+                                      </p:tavLst>
+                                    </p:anim>
+                                    <p:anim calcmode="lin" valueType="num">
+                                      <p:cBhvr additive="base">
+                                        <p:cTn id="24" dur="500" fill="hold"/>
+                                        <p:tgtEl>
+                                          <p:spTgt spid="18"/>
+                                        </p:tgtEl>
+                                        <p:attrNameLst>
+                                          <p:attrName>ppt_y</p:attrName>
+                                        </p:attrNameLst>
+                                      </p:cBhvr>
+                                      <p:tavLst>
+                                        <p:tav tm="0">
+                                          <p:val>
+                                            <p:strVal val="1+#ppt_h/2"/>
+                                          </p:val>
+                                        </p:tav>
+                                        <p:tav tm="100000">
+                                          <p:val>
+                                            <p:strVal val="#ppt_y"/>
+                                          </p:val>
+                                        </p:tav>
+                                      </p:tavLst>
+                                    </p:anim>
                                   </p:childTnLst>
                                 </p:cTn>
                               </p:par>
@@ -5058,12 +4941,7 @@
       </p:par>
     </p:tnLst>
     <p:bldLst>
-      <p:bldP spid="6" grpId="0"/>
-      <p:bldP spid="6" grpId="1"/>
-      <p:bldP spid="7" grpId="0"/>
-      <p:bldP spid="11" grpId="0"/>
-      <p:bldP spid="11" grpId="1"/>
-      <p:bldP spid="3" grpId="0"/>
+      <p:bldP spid="18" grpId="0"/>
     </p:bldLst>
   </p:timing>
 </p:sld>
@@ -5086,6 +4964,30 @@
           <a:chExt cx="0" cy="0"/>
         </a:xfrm>
       </p:grpSpPr>
+      <p:pic>
+        <p:nvPicPr>
+          <p:cNvPr id="22" name="Grafik 21"/>
+          <p:cNvPicPr>
+            <a:picLocks noChangeAspect="1"/>
+          </p:cNvPicPr>
+          <p:nvPr/>
+        </p:nvPicPr>
+        <p:blipFill>
+          <a:blip r:embed="rId2"/>
+          <a:stretch>
+            <a:fillRect/>
+          </a:stretch>
+        </p:blipFill>
+        <p:spPr>
+          <a:xfrm>
+            <a:off x="4306383" y="2513528"/>
+            <a:ext cx="8736325" cy="3322608"/>
+          </a:xfrm>
+          <a:prstGeom prst="rect">
+            <a:avLst/>
+          </a:prstGeom>
+        </p:spPr>
+      </p:pic>
       <p:sp>
         <p:nvSpPr>
           <p:cNvPr id="2" name="Titel 1"/>
@@ -5147,8 +5049,13 @@
             </a:pPr>
             <a:r>
               <a:rPr lang="de-DE" dirty="0"/>
-              <a:t>Ende:</a:t>
-            </a:r>
+              <a:t>Ende</a:t>
+            </a:r>
+            <a:r>
+              <a:rPr lang="de-DE" dirty="0" smtClean="0"/>
+              <a:t>: 31.500€</a:t>
+            </a:r>
+            <a:endParaRPr lang="de-DE" dirty="0"/>
           </a:p>
           <a:p>
             <a:pPr marL="0" indent="0">
@@ -5325,54 +5232,6 @@
           </a:p>
         </p:txBody>
       </p:sp>
-      <p:pic>
-        <p:nvPicPr>
-          <p:cNvPr id="29" name="Grafik 28"/>
-          <p:cNvPicPr>
-            <a:picLocks noChangeAspect="1"/>
-          </p:cNvPicPr>
-          <p:nvPr/>
-        </p:nvPicPr>
-        <p:blipFill>
-          <a:blip r:embed="rId2"/>
-          <a:stretch>
-            <a:fillRect/>
-          </a:stretch>
-        </p:blipFill>
-        <p:spPr>
-          <a:xfrm rot="16200000">
-            <a:off x="-905606" y="-117628"/>
-            <a:ext cx="2630081" cy="1000127"/>
-          </a:xfrm>
-          <a:prstGeom prst="rect">
-            <a:avLst/>
-          </a:prstGeom>
-        </p:spPr>
-      </p:pic>
-      <p:pic>
-        <p:nvPicPr>
-          <p:cNvPr id="13" name="Grafik 12"/>
-          <p:cNvPicPr>
-            <a:picLocks noChangeAspect="1"/>
-          </p:cNvPicPr>
-          <p:nvPr/>
-        </p:nvPicPr>
-        <p:blipFill>
-          <a:blip r:embed="rId3"/>
-          <a:stretch>
-            <a:fillRect/>
-          </a:stretch>
-        </p:blipFill>
-        <p:spPr>
-          <a:xfrm>
-            <a:off x="8872802" y="5298530"/>
-            <a:ext cx="5066215" cy="1926503"/>
-          </a:xfrm>
-          <a:prstGeom prst="rect">
-            <a:avLst/>
-          </a:prstGeom>
-        </p:spPr>
-      </p:pic>
       <p:sp>
         <p:nvSpPr>
           <p:cNvPr id="9" name="Titel 1"/>
@@ -5639,6 +5498,190 @@
           </a:p>
         </p:txBody>
       </p:sp>
+      <p:pic>
+        <p:nvPicPr>
+          <p:cNvPr id="20" name="Grafik 19"/>
+          <p:cNvPicPr>
+            <a:picLocks noChangeAspect="1"/>
+          </p:cNvPicPr>
+          <p:nvPr/>
+        </p:nvPicPr>
+        <p:blipFill>
+          <a:blip r:embed="rId3"/>
+          <a:stretch>
+            <a:fillRect/>
+          </a:stretch>
+        </p:blipFill>
+        <p:spPr>
+          <a:xfrm>
+            <a:off x="4908320" y="2213919"/>
+            <a:ext cx="6163590" cy="1926503"/>
+          </a:xfrm>
+          <a:prstGeom prst="rect">
+            <a:avLst/>
+          </a:prstGeom>
+        </p:spPr>
+      </p:pic>
+      <p:sp>
+        <p:nvSpPr>
+          <p:cNvPr id="21" name="Textfeld 20"/>
+          <p:cNvSpPr txBox="1"/>
+          <p:nvPr/>
+        </p:nvSpPr>
+        <p:spPr>
+          <a:xfrm>
+            <a:off x="152400" y="6496050"/>
+            <a:ext cx="11906250" cy="646331"/>
+          </a:xfrm>
+          <a:prstGeom prst="rect">
+            <a:avLst/>
+          </a:prstGeom>
+          <a:noFill/>
+        </p:spPr>
+        <p:txBody>
+          <a:bodyPr wrap="square" rtlCol="0">
+            <a:spAutoFit/>
+          </a:bodyPr>
+          <a:lstStyle/>
+          <a:p>
+            <a:pPr algn="ctr"/>
+            <a:r>
+              <a:rPr lang="de-DE" b="1" dirty="0" err="1">
+                <a:latin typeface="Maiandra GD" panose="020E0502030308020204" pitchFamily="34" charset="0"/>
+                <a:ea typeface="Arial Unicode MS" panose="020B0604020202020204" pitchFamily="34" charset="-128"/>
+                <a:cs typeface="Arial Unicode MS" panose="020B0604020202020204" pitchFamily="34" charset="-128"/>
+              </a:rPr>
+              <a:t>by</a:t>
+            </a:r>
+            <a:r>
+              <a:rPr lang="de-DE" b="1" dirty="0">
+                <a:latin typeface="Maiandra GD" panose="020E0502030308020204" pitchFamily="34" charset="0"/>
+                <a:ea typeface="Arial Unicode MS" panose="020B0604020202020204" pitchFamily="34" charset="-128"/>
+                <a:cs typeface="Arial Unicode MS" panose="020B0604020202020204" pitchFamily="34" charset="-128"/>
+              </a:rPr>
+              <a:t> Christian Seifert, Daniel Spaniol, Jeannine </a:t>
+            </a:r>
+            <a:r>
+              <a:rPr lang="de-DE" b="1" dirty="0" err="1">
+                <a:latin typeface="Maiandra GD" panose="020E0502030308020204" pitchFamily="34" charset="0"/>
+                <a:ea typeface="Arial Unicode MS" panose="020B0604020202020204" pitchFamily="34" charset="-128"/>
+                <a:cs typeface="Arial Unicode MS" panose="020B0604020202020204" pitchFamily="34" charset="-128"/>
+              </a:rPr>
+              <a:t>Westerkamp</a:t>
+            </a:r>
+            <a:r>
+              <a:rPr lang="de-DE" b="1" dirty="0">
+                <a:latin typeface="Maiandra GD" panose="020E0502030308020204" pitchFamily="34" charset="0"/>
+                <a:ea typeface="Arial Unicode MS" panose="020B0604020202020204" pitchFamily="34" charset="-128"/>
+                <a:cs typeface="Arial Unicode MS" panose="020B0604020202020204" pitchFamily="34" charset="-128"/>
+              </a:rPr>
+              <a:t>, Jonas </a:t>
+            </a:r>
+            <a:r>
+              <a:rPr lang="de-DE" b="1" dirty="0" err="1">
+                <a:latin typeface="Maiandra GD" panose="020E0502030308020204" pitchFamily="34" charset="0"/>
+                <a:ea typeface="Arial Unicode MS" panose="020B0604020202020204" pitchFamily="34" charset="-128"/>
+                <a:cs typeface="Arial Unicode MS" panose="020B0604020202020204" pitchFamily="34" charset="-128"/>
+              </a:rPr>
+              <a:t>Häßel</a:t>
+            </a:r>
+            <a:r>
+              <a:rPr lang="de-DE" b="1" dirty="0">
+                <a:latin typeface="Maiandra GD" panose="020E0502030308020204" pitchFamily="34" charset="0"/>
+                <a:ea typeface="Arial Unicode MS" panose="020B0604020202020204" pitchFamily="34" charset="-128"/>
+                <a:cs typeface="Arial Unicode MS" panose="020B0604020202020204" pitchFamily="34" charset="-128"/>
+              </a:rPr>
+              <a:t>, Sascha Auer</a:t>
+            </a:r>
+          </a:p>
+          <a:p>
+            <a:pPr algn="ctr"/>
+            <a:endParaRPr lang="de-DE" b="1" dirty="0">
+              <a:latin typeface="Maiandra GD" panose="020E0502030308020204" pitchFamily="34" charset="0"/>
+              <a:ea typeface="Arial Unicode MS" panose="020B0604020202020204" pitchFamily="34" charset="-128"/>
+              <a:cs typeface="Arial Unicode MS" panose="020B0604020202020204" pitchFamily="34" charset="-128"/>
+            </a:endParaRPr>
+          </a:p>
+        </p:txBody>
+      </p:sp>
+      <p:sp>
+        <p:nvSpPr>
+          <p:cNvPr id="5" name="Rechteck 4"/>
+          <p:cNvSpPr/>
+          <p:nvPr/>
+        </p:nvSpPr>
+        <p:spPr>
+          <a:xfrm>
+            <a:off x="539646" y="0"/>
+            <a:ext cx="12321915" cy="952114"/>
+          </a:xfrm>
+          <a:prstGeom prst="rect">
+            <a:avLst/>
+          </a:prstGeom>
+          <a:solidFill>
+            <a:schemeClr val="bg1"/>
+          </a:solidFill>
+          <a:ln>
+            <a:solidFill>
+              <a:schemeClr val="bg1"/>
+            </a:solidFill>
+          </a:ln>
+        </p:spPr>
+        <p:style>
+          <a:lnRef idx="2">
+            <a:schemeClr val="accent1">
+              <a:shade val="50000"/>
+            </a:schemeClr>
+          </a:lnRef>
+          <a:fillRef idx="1">
+            <a:schemeClr val="accent1"/>
+          </a:fillRef>
+          <a:effectRef idx="0">
+            <a:schemeClr val="accent1"/>
+          </a:effectRef>
+          <a:fontRef idx="minor">
+            <a:schemeClr val="lt1"/>
+          </a:fontRef>
+        </p:style>
+        <p:txBody>
+          <a:bodyPr rtlCol="0" anchor="ctr"/>
+          <a:lstStyle/>
+          <a:p>
+            <a:pPr algn="ctr"/>
+            <a:endParaRPr lang="de-DE"/>
+          </a:p>
+        </p:txBody>
+      </p:sp>
+      <p:pic>
+        <p:nvPicPr>
+          <p:cNvPr id="19" name="Grafik 18"/>
+          <p:cNvPicPr>
+            <a:picLocks noChangeAspect="1"/>
+          </p:cNvPicPr>
+          <p:nvPr/>
+        </p:nvPicPr>
+        <p:blipFill>
+          <a:blip r:embed="rId4">
+            <a:extLst>
+              <a:ext uri="{28A0092B-C50C-407E-A947-70E740481C1C}">
+                <a14:useLocalDpi xmlns:a14="http://schemas.microsoft.com/office/drawing/2010/main" val="0"/>
+              </a:ext>
+            </a:extLst>
+          </a:blip>
+          <a:stretch>
+            <a:fillRect/>
+          </a:stretch>
+        </p:blipFill>
+        <p:spPr>
+          <a:xfrm flipH="1">
+            <a:off x="845820" y="1056639"/>
+            <a:ext cx="4494338" cy="4556760"/>
+          </a:xfrm>
+          <a:prstGeom prst="rect">
+            <a:avLst/>
+          </a:prstGeom>
+        </p:spPr>
+      </p:pic>
     </p:spTree>
     <p:extLst>
       <p:ext uri="{BB962C8B-B14F-4D97-AF65-F5344CB8AC3E}">
@@ -5673,42 +5716,16 @@
                             </p:stCondLst>
                             <p:childTnLst>
                               <p:par>
-                                <p:cTn id="5" presetID="2" presetClass="entr" presetSubtype="2" fill="hold" grpId="0" nodeType="withEffect">
+                                <p:cTn id="5" presetID="2" presetClass="exit" presetSubtype="4" fill="hold" grpId="1" nodeType="withEffect">
                                   <p:stCondLst>
                                     <p:cond delay="0"/>
                                   </p:stCondLst>
                                   <p:childTnLst>
-                                    <p:set>
-                                      <p:cBhvr>
-                                        <p:cTn id="6" dur="1" fill="hold">
-                                          <p:stCondLst>
-                                            <p:cond delay="0"/>
-                                          </p:stCondLst>
-                                        </p:cTn>
-                                        <p:tgtEl>
-                                          <p:spTgt spid="3">
-                                            <p:txEl>
-                                              <p:pRg st="0" end="0"/>
-                                            </p:txEl>
-                                          </p:spTgt>
-                                        </p:tgtEl>
-                                        <p:attrNameLst>
-                                          <p:attrName>style.visibility</p:attrName>
-                                        </p:attrNameLst>
-                                      </p:cBhvr>
-                                      <p:to>
-                                        <p:strVal val="visible"/>
-                                      </p:to>
-                                    </p:set>
                                     <p:anim calcmode="lin" valueType="num">
                                       <p:cBhvr additive="base">
-                                        <p:cTn id="7" dur="1000" fill="hold"/>
-                                        <p:tgtEl>
-                                          <p:spTgt spid="3">
-                                            <p:txEl>
-                                              <p:pRg st="0" end="0"/>
-                                            </p:txEl>
-                                          </p:spTgt>
+                                        <p:cTn id="6" dur="500"/>
+                                        <p:tgtEl>
+                                          <p:spTgt spid="21"/>
                                         </p:tgtEl>
                                         <p:attrNameLst>
                                           <p:attrName>ppt_x</p:attrName>
@@ -5717,25 +5734,21 @@
                                       <p:tavLst>
                                         <p:tav tm="0">
                                           <p:val>
-                                            <p:strVal val="1+#ppt_w/2"/>
+                                            <p:strVal val="ppt_x"/>
                                           </p:val>
                                         </p:tav>
                                         <p:tav tm="100000">
                                           <p:val>
-                                            <p:strVal val="#ppt_x"/>
+                                            <p:strVal val="ppt_x"/>
                                           </p:val>
                                         </p:tav>
                                       </p:tavLst>
                                     </p:anim>
                                     <p:anim calcmode="lin" valueType="num">
                                       <p:cBhvr additive="base">
-                                        <p:cTn id="8" dur="1000" fill="hold"/>
-                                        <p:tgtEl>
-                                          <p:spTgt spid="3">
-                                            <p:txEl>
-                                              <p:pRg st="0" end="0"/>
-                                            </p:txEl>
-                                          </p:spTgt>
+                                        <p:cTn id="7" dur="500"/>
+                                        <p:tgtEl>
+                                          <p:spTgt spid="21"/>
                                         </p:tgtEl>
                                         <p:attrNameLst>
                                           <p:attrName>ppt_y</p:attrName>
@@ -5744,349 +5757,213 @@
                                       <p:tavLst>
                                         <p:tav tm="0">
                                           <p:val>
-                                            <p:strVal val="#ppt_y"/>
+                                            <p:strVal val="ppt_y"/>
                                           </p:val>
                                         </p:tav>
                                         <p:tav tm="100000">
                                           <p:val>
-                                            <p:strVal val="#ppt_y"/>
+                                            <p:strVal val="1+ppt_h/2"/>
                                           </p:val>
                                         </p:tav>
                                       </p:tavLst>
                                     </p:anim>
+                                    <p:set>
+                                      <p:cBhvr>
+                                        <p:cTn id="8" dur="1" fill="hold">
+                                          <p:stCondLst>
+                                            <p:cond delay="499"/>
+                                          </p:stCondLst>
+                                        </p:cTn>
+                                        <p:tgtEl>
+                                          <p:spTgt spid="21"/>
+                                        </p:tgtEl>
+                                        <p:attrNameLst>
+                                          <p:attrName>style.visibility</p:attrName>
+                                        </p:attrNameLst>
+                                      </p:cBhvr>
+                                      <p:to>
+                                        <p:strVal val="hidden"/>
+                                      </p:to>
+                                    </p:set>
                                   </p:childTnLst>
                                 </p:cTn>
                               </p:par>
                               <p:par>
-                                <p:cTn id="9" presetID="2" presetClass="entr" presetSubtype="2" fill="hold" grpId="0" nodeType="withEffect">
+                                <p:cTn id="9" presetID="10" presetClass="exit" presetSubtype="0" fill="hold" nodeType="withEffect">
                                   <p:stCondLst>
                                     <p:cond delay="0"/>
                                   </p:stCondLst>
                                   <p:childTnLst>
+                                    <p:animEffect transition="out" filter="fade">
+                                      <p:cBhvr>
+                                        <p:cTn id="10" dur="500"/>
+                                        <p:tgtEl>
+                                          <p:spTgt spid="19"/>
+                                        </p:tgtEl>
+                                      </p:cBhvr>
+                                    </p:animEffect>
                                     <p:set>
                                       <p:cBhvr>
-                                        <p:cTn id="10" dur="1" fill="hold">
+                                        <p:cTn id="11" dur="1" fill="hold">
                                           <p:stCondLst>
-                                            <p:cond delay="0"/>
+                                            <p:cond delay="499"/>
                                           </p:stCondLst>
                                         </p:cTn>
                                         <p:tgtEl>
-                                          <p:spTgt spid="3">
-                                            <p:txEl>
-                                              <p:pRg st="1" end="1"/>
-                                            </p:txEl>
-                                          </p:spTgt>
+                                          <p:spTgt spid="19"/>
                                         </p:tgtEl>
                                         <p:attrNameLst>
                                           <p:attrName>style.visibility</p:attrName>
                                         </p:attrNameLst>
                                       </p:cBhvr>
                                       <p:to>
-                                        <p:strVal val="visible"/>
+                                        <p:strVal val="hidden"/>
                                       </p:to>
                                     </p:set>
-                                    <p:anim calcmode="lin" valueType="num">
-                                      <p:cBhvr additive="base">
-                                        <p:cTn id="11" dur="1000" fill="hold"/>
-                                        <p:tgtEl>
-                                          <p:spTgt spid="3">
-                                            <p:txEl>
-                                              <p:pRg st="1" end="1"/>
-                                            </p:txEl>
-                                          </p:spTgt>
-                                        </p:tgtEl>
-                                        <p:attrNameLst>
-                                          <p:attrName>ppt_x</p:attrName>
-                                        </p:attrNameLst>
-                                      </p:cBhvr>
-                                      <p:tavLst>
-                                        <p:tav tm="0">
-                                          <p:val>
-                                            <p:strVal val="1+#ppt_w/2"/>
-                                          </p:val>
-                                        </p:tav>
-                                        <p:tav tm="100000">
-                                          <p:val>
-                                            <p:strVal val="#ppt_x"/>
-                                          </p:val>
-                                        </p:tav>
-                                      </p:tavLst>
-                                    </p:anim>
-                                    <p:anim calcmode="lin" valueType="num">
-                                      <p:cBhvr additive="base">
-                                        <p:cTn id="12" dur="1000" fill="hold"/>
-                                        <p:tgtEl>
-                                          <p:spTgt spid="3">
-                                            <p:txEl>
-                                              <p:pRg st="1" end="1"/>
-                                            </p:txEl>
-                                          </p:spTgt>
-                                        </p:tgtEl>
-                                        <p:attrNameLst>
-                                          <p:attrName>ppt_y</p:attrName>
-                                        </p:attrNameLst>
-                                      </p:cBhvr>
-                                      <p:tavLst>
-                                        <p:tav tm="0">
-                                          <p:val>
-                                            <p:strVal val="#ppt_y"/>
-                                          </p:val>
-                                        </p:tav>
-                                        <p:tav tm="100000">
-                                          <p:val>
-                                            <p:strVal val="#ppt_y"/>
-                                          </p:val>
-                                        </p:tav>
-                                      </p:tavLst>
-                                    </p:anim>
                                   </p:childTnLst>
                                 </p:cTn>
                               </p:par>
                               <p:par>
-                                <p:cTn id="13" presetID="2" presetClass="entr" presetSubtype="2" fill="hold" grpId="0" nodeType="withEffect">
+                                <p:cTn id="12" presetID="10" presetClass="exit" presetSubtype="0" fill="hold" nodeType="withEffect">
                                   <p:stCondLst>
                                     <p:cond delay="0"/>
                                   </p:stCondLst>
                                   <p:childTnLst>
+                                    <p:animEffect transition="out" filter="fade">
+                                      <p:cBhvr>
+                                        <p:cTn id="13" dur="500"/>
+                                        <p:tgtEl>
+                                          <p:spTgt spid="20"/>
+                                        </p:tgtEl>
+                                      </p:cBhvr>
+                                    </p:animEffect>
                                     <p:set>
                                       <p:cBhvr>
                                         <p:cTn id="14" dur="1" fill="hold">
                                           <p:stCondLst>
-                                            <p:cond delay="0"/>
+                                            <p:cond delay="499"/>
                                           </p:stCondLst>
                                         </p:cTn>
                                         <p:tgtEl>
-                                          <p:spTgt spid="12">
-                                            <p:txEl>
-                                              <p:pRg st="0" end="0"/>
-                                            </p:txEl>
-                                          </p:spTgt>
+                                          <p:spTgt spid="20"/>
                                         </p:tgtEl>
                                         <p:attrNameLst>
                                           <p:attrName>style.visibility</p:attrName>
                                         </p:attrNameLst>
                                       </p:cBhvr>
                                       <p:to>
-                                        <p:strVal val="visible"/>
+                                        <p:strVal val="hidden"/>
                                       </p:to>
                                     </p:set>
-                                    <p:anim calcmode="lin" valueType="num">
-                                      <p:cBhvr additive="base">
-                                        <p:cTn id="15" dur="1000" fill="hold"/>
-                                        <p:tgtEl>
-                                          <p:spTgt spid="12">
-                                            <p:txEl>
-                                              <p:pRg st="0" end="0"/>
-                                            </p:txEl>
-                                          </p:spTgt>
-                                        </p:tgtEl>
-                                        <p:attrNameLst>
-                                          <p:attrName>ppt_x</p:attrName>
-                                        </p:attrNameLst>
-                                      </p:cBhvr>
-                                      <p:tavLst>
-                                        <p:tav tm="0">
-                                          <p:val>
-                                            <p:strVal val="1+#ppt_w/2"/>
-                                          </p:val>
-                                        </p:tav>
-                                        <p:tav tm="100000">
-                                          <p:val>
-                                            <p:strVal val="#ppt_x"/>
-                                          </p:val>
-                                        </p:tav>
-                                      </p:tavLst>
-                                    </p:anim>
-                                    <p:anim calcmode="lin" valueType="num">
-                                      <p:cBhvr additive="base">
-                                        <p:cTn id="16" dur="1000" fill="hold"/>
-                                        <p:tgtEl>
-                                          <p:spTgt spid="12">
-                                            <p:txEl>
-                                              <p:pRg st="0" end="0"/>
-                                            </p:txEl>
-                                          </p:spTgt>
-                                        </p:tgtEl>
-                                        <p:attrNameLst>
-                                          <p:attrName>ppt_y</p:attrName>
-                                        </p:attrNameLst>
-                                      </p:cBhvr>
-                                      <p:tavLst>
-                                        <p:tav tm="0">
-                                          <p:val>
-                                            <p:strVal val="#ppt_y"/>
-                                          </p:val>
-                                        </p:tav>
-                                        <p:tav tm="100000">
-                                          <p:val>
-                                            <p:strVal val="#ppt_y"/>
-                                          </p:val>
-                                        </p:tav>
-                                      </p:tavLst>
-                                    </p:anim>
                                   </p:childTnLst>
                                 </p:cTn>
                               </p:par>
                               <p:par>
-                                <p:cTn id="17" presetID="2" presetClass="entr" presetSubtype="2" fill="hold" grpId="0" nodeType="withEffect">
+                                <p:cTn id="15" presetID="10" presetClass="exit" presetSubtype="0" fill="hold" grpId="0" nodeType="withEffect">
                                   <p:stCondLst>
                                     <p:cond delay="0"/>
                                   </p:stCondLst>
                                   <p:childTnLst>
+                                    <p:animEffect transition="out" filter="fade">
+                                      <p:cBhvr>
+                                        <p:cTn id="16" dur="1000"/>
+                                        <p:tgtEl>
+                                          <p:spTgt spid="5"/>
+                                        </p:tgtEl>
+                                      </p:cBhvr>
+                                    </p:animEffect>
                                     <p:set>
                                       <p:cBhvr>
-                                        <p:cTn id="18" dur="1" fill="hold">
+                                        <p:cTn id="17" dur="1" fill="hold">
                                           <p:stCondLst>
-                                            <p:cond delay="0"/>
+                                            <p:cond delay="999"/>
                                           </p:stCondLst>
                                         </p:cTn>
                                         <p:tgtEl>
-                                          <p:spTgt spid="12">
-                                            <p:txEl>
-                                              <p:pRg st="1" end="1"/>
-                                            </p:txEl>
-                                          </p:spTgt>
+                                          <p:spTgt spid="5"/>
                                         </p:tgtEl>
                                         <p:attrNameLst>
                                           <p:attrName>style.visibility</p:attrName>
                                         </p:attrNameLst>
                                       </p:cBhvr>
                                       <p:to>
-                                        <p:strVal val="visible"/>
+                                        <p:strVal val="hidden"/>
                                       </p:to>
                                     </p:set>
-                                    <p:anim calcmode="lin" valueType="num">
-                                      <p:cBhvr additive="base">
-                                        <p:cTn id="19" dur="1000" fill="hold"/>
-                                        <p:tgtEl>
-                                          <p:spTgt spid="12">
-                                            <p:txEl>
-                                              <p:pRg st="1" end="1"/>
-                                            </p:txEl>
-                                          </p:spTgt>
-                                        </p:tgtEl>
-                                        <p:attrNameLst>
-                                          <p:attrName>ppt_x</p:attrName>
-                                        </p:attrNameLst>
-                                      </p:cBhvr>
-                                      <p:tavLst>
-                                        <p:tav tm="0">
-                                          <p:val>
-                                            <p:strVal val="1+#ppt_w/2"/>
-                                          </p:val>
-                                        </p:tav>
-                                        <p:tav tm="100000">
-                                          <p:val>
-                                            <p:strVal val="#ppt_x"/>
-                                          </p:val>
-                                        </p:tav>
-                                      </p:tavLst>
-                                    </p:anim>
-                                    <p:anim calcmode="lin" valueType="num">
-                                      <p:cBhvr additive="base">
-                                        <p:cTn id="20" dur="1000" fill="hold"/>
-                                        <p:tgtEl>
-                                          <p:spTgt spid="12">
-                                            <p:txEl>
-                                              <p:pRg st="1" end="1"/>
-                                            </p:txEl>
-                                          </p:spTgt>
-                                        </p:tgtEl>
-                                        <p:attrNameLst>
-                                          <p:attrName>ppt_y</p:attrName>
-                                        </p:attrNameLst>
-                                      </p:cBhvr>
-                                      <p:tavLst>
-                                        <p:tav tm="0">
-                                          <p:val>
-                                            <p:strVal val="#ppt_y"/>
-                                          </p:val>
-                                        </p:tav>
-                                        <p:tav tm="100000">
-                                          <p:val>
-                                            <p:strVal val="#ppt_y"/>
-                                          </p:val>
-                                        </p:tav>
-                                      </p:tavLst>
-                                    </p:anim>
                                   </p:childTnLst>
                                 </p:cTn>
                               </p:par>
                               <p:par>
-                                <p:cTn id="21" presetID="2" presetClass="entr" presetSubtype="2" fill="hold" grpId="0" nodeType="withEffect">
+                                <p:cTn id="18" presetID="43" presetClass="path" presetSubtype="0" accel="50000" decel="50000" fill="hold" nodeType="withEffect">
                                   <p:stCondLst>
                                     <p:cond delay="0"/>
                                   </p:stCondLst>
                                   <p:childTnLst>
-                                    <p:set>
+                                    <p:animMotion origin="layout" path="M 1.66667E-6 -4.81481E-6 L -0.33737 -4.81481E-6 C -0.4888 -4.81481E-6 -0.67461 -0.15208 -0.67461 -0.27546 L -0.67461 -0.55069 " pathEditMode="relative" rAng="0" ptsTypes="AAAA">
                                       <p:cBhvr>
-                                        <p:cTn id="22" dur="1" fill="hold">
-                                          <p:stCondLst>
-                                            <p:cond delay="0"/>
-                                          </p:stCondLst>
-                                        </p:cTn>
-                                        <p:tgtEl>
-                                          <p:spTgt spid="2"/>
-                                        </p:tgtEl>
-                                        <p:attrNameLst>
-                                          <p:attrName>style.visibility</p:attrName>
-                                        </p:attrNameLst>
-                                      </p:cBhvr>
-                                      <p:to>
-                                        <p:strVal val="visible"/>
-                                      </p:to>
-                                    </p:set>
-                                    <p:anim calcmode="lin" valueType="num">
-                                      <p:cBhvr additive="base">
-                                        <p:cTn id="23" dur="1000" fill="hold"/>
-                                        <p:tgtEl>
-                                          <p:spTgt spid="2"/>
+                                        <p:cTn id="19" dur="1000" fill="hold"/>
+                                        <p:tgtEl>
+                                          <p:spTgt spid="22"/>
                                         </p:tgtEl>
                                         <p:attrNameLst>
                                           <p:attrName>ppt_x</p:attrName>
-                                        </p:attrNameLst>
-                                      </p:cBhvr>
-                                      <p:tavLst>
-                                        <p:tav tm="0">
-                                          <p:val>
-                                            <p:strVal val="1+#ppt_w/2"/>
-                                          </p:val>
-                                        </p:tav>
-                                        <p:tav tm="100000">
-                                          <p:val>
-                                            <p:strVal val="#ppt_x"/>
-                                          </p:val>
-                                        </p:tav>
-                                      </p:tavLst>
-                                    </p:anim>
-                                    <p:anim calcmode="lin" valueType="num">
-                                      <p:cBhvr additive="base">
-                                        <p:cTn id="24" dur="1000" fill="hold"/>
-                                        <p:tgtEl>
-                                          <p:spTgt spid="2"/>
-                                        </p:tgtEl>
-                                        <p:attrNameLst>
                                           <p:attrName>ppt_y</p:attrName>
                                         </p:attrNameLst>
                                       </p:cBhvr>
-                                      <p:tavLst>
-                                        <p:tav tm="0">
-                                          <p:val>
-                                            <p:strVal val="#ppt_y"/>
-                                          </p:val>
-                                        </p:tav>
-                                        <p:tav tm="100000">
-                                          <p:val>
-                                            <p:strVal val="#ppt_y"/>
-                                          </p:val>
-                                        </p:tav>
-                                      </p:tavLst>
-                                    </p:anim>
+                                      <p:rCtr x="-33737" y="-27546"/>
+                                    </p:animMotion>
                                   </p:childTnLst>
                                 </p:cTn>
                               </p:par>
                               <p:par>
-                                <p:cTn id="25" presetID="2" presetClass="entr" presetSubtype="2" fill="hold" grpId="0" nodeType="withEffect">
+                                <p:cTn id="20" presetID="8" presetClass="emph" presetSubtype="0" fill="hold" nodeType="withEffect">
+                                  <p:stCondLst>
+                                    <p:cond delay="0"/>
+                                  </p:stCondLst>
+                                  <p:childTnLst>
+                                    <p:animRot by="-5400000">
+                                      <p:cBhvr>
+                                        <p:cTn id="21" dur="1000" fill="hold"/>
+                                        <p:tgtEl>
+                                          <p:spTgt spid="22"/>
+                                        </p:tgtEl>
+                                        <p:attrNameLst>
+                                          <p:attrName>r</p:attrName>
+                                        </p:attrNameLst>
+                                      </p:cBhvr>
+                                    </p:animRot>
+                                  </p:childTnLst>
+                                </p:cTn>
+                              </p:par>
+                              <p:par>
+                                <p:cTn id="22" presetID="6" presetClass="emph" presetSubtype="0" fill="hold" nodeType="withEffect">
+                                  <p:stCondLst>
+                                    <p:cond delay="0"/>
+                                  </p:stCondLst>
+                                  <p:childTnLst>
+                                    <p:animScale>
+                                      <p:cBhvr>
+                                        <p:cTn id="23" dur="1000" fill="hold"/>
+                                        <p:tgtEl>
+                                          <p:spTgt spid="22"/>
+                                        </p:tgtEl>
+                                      </p:cBhvr>
+                                      <p:by x="30000" y="30000"/>
+                                    </p:animScale>
+                                  </p:childTnLst>
+                                </p:cTn>
+                              </p:par>
+                            </p:childTnLst>
+                          </p:cTn>
+                        </p:par>
+                        <p:par>
+                          <p:cTn id="24" fill="hold">
+                            <p:stCondLst>
+                              <p:cond delay="1000"/>
+                            </p:stCondLst>
+                            <p:childTnLst>
+                              <p:par>
+                                <p:cTn id="25" presetID="2" presetClass="entr" presetSubtype="2" fill="hold" grpId="0" nodeType="afterEffect">
                                   <p:stCondLst>
                                     <p:cond delay="0"/>
                                   </p:stCondLst>
@@ -6099,7 +5976,11 @@
                                           </p:stCondLst>
                                         </p:cTn>
                                         <p:tgtEl>
-                                          <p:spTgt spid="8"/>
+                                          <p:spTgt spid="3">
+                                            <p:txEl>
+                                              <p:pRg st="0" end="0"/>
+                                            </p:txEl>
+                                          </p:spTgt>
                                         </p:tgtEl>
                                         <p:attrNameLst>
                                           <p:attrName>style.visibility</p:attrName>
@@ -6113,7 +5994,11 @@
                                       <p:cBhvr additive="base">
                                         <p:cTn id="27" dur="1000" fill="hold"/>
                                         <p:tgtEl>
-                                          <p:spTgt spid="8"/>
+                                          <p:spTgt spid="3">
+                                            <p:txEl>
+                                              <p:pRg st="0" end="0"/>
+                                            </p:txEl>
+                                          </p:spTgt>
                                         </p:tgtEl>
                                         <p:attrNameLst>
                                           <p:attrName>ppt_x</p:attrName>
@@ -6136,7 +6021,11 @@
                                       <p:cBhvr additive="base">
                                         <p:cTn id="28" dur="1000" fill="hold"/>
                                         <p:tgtEl>
-                                          <p:spTgt spid="8"/>
+                                          <p:spTgt spid="3">
+                                            <p:txEl>
+                                              <p:pRg st="0" end="0"/>
+                                            </p:txEl>
+                                          </p:spTgt>
                                         </p:tgtEl>
                                         <p:attrNameLst>
                                           <p:attrName>ppt_y</p:attrName>
@@ -6172,7 +6061,11 @@
                                           </p:stCondLst>
                                         </p:cTn>
                                         <p:tgtEl>
-                                          <p:spTgt spid="10"/>
+                                          <p:spTgt spid="3">
+                                            <p:txEl>
+                                              <p:pRg st="1" end="1"/>
+                                            </p:txEl>
+                                          </p:spTgt>
                                         </p:tgtEl>
                                         <p:attrNameLst>
                                           <p:attrName>style.visibility</p:attrName>
@@ -6186,7 +6079,11 @@
                                       <p:cBhvr additive="base">
                                         <p:cTn id="31" dur="1000" fill="hold"/>
                                         <p:tgtEl>
-                                          <p:spTgt spid="10"/>
+                                          <p:spTgt spid="3">
+                                            <p:txEl>
+                                              <p:pRg st="1" end="1"/>
+                                            </p:txEl>
+                                          </p:spTgt>
                                         </p:tgtEl>
                                         <p:attrNameLst>
                                           <p:attrName>ppt_x</p:attrName>
@@ -6209,7 +6106,11 @@
                                       <p:cBhvr additive="base">
                                         <p:cTn id="32" dur="1000" fill="hold"/>
                                         <p:tgtEl>
-                                          <p:spTgt spid="10"/>
+                                          <p:spTgt spid="3">
+                                            <p:txEl>
+                                              <p:pRg st="1" end="1"/>
+                                            </p:txEl>
+                                          </p:spTgt>
                                         </p:tgtEl>
                                         <p:attrNameLst>
                                           <p:attrName>ppt_y</p:attrName>
@@ -6232,7 +6133,7 @@
                                 </p:cTn>
                               </p:par>
                               <p:par>
-                                <p:cTn id="33" presetID="2" presetClass="entr" presetSubtype="2" fill="hold" nodeType="withEffect">
+                                <p:cTn id="33" presetID="2" presetClass="entr" presetSubtype="2" fill="hold" grpId="0" nodeType="withEffect">
                                   <p:stCondLst>
                                     <p:cond delay="0"/>
                                   </p:stCondLst>
@@ -6245,7 +6146,7 @@
                                           </p:stCondLst>
                                         </p:cTn>
                                         <p:tgtEl>
-                                          <p:spTgt spid="9">
+                                          <p:spTgt spid="12">
                                             <p:txEl>
                                               <p:pRg st="0" end="0"/>
                                             </p:txEl>
@@ -6263,7 +6164,7 @@
                                       <p:cBhvr additive="base">
                                         <p:cTn id="35" dur="1000" fill="hold"/>
                                         <p:tgtEl>
-                                          <p:spTgt spid="9">
+                                          <p:spTgt spid="12">
                                             <p:txEl>
                                               <p:pRg st="0" end="0"/>
                                             </p:txEl>
@@ -6290,7 +6191,7 @@
                                       <p:cBhvr additive="base">
                                         <p:cTn id="36" dur="1000" fill="hold"/>
                                         <p:tgtEl>
-                                          <p:spTgt spid="9">
+                                          <p:spTgt spid="12">
                                             <p:txEl>
                                               <p:pRg st="0" end="0"/>
                                             </p:txEl>
@@ -6317,7 +6218,7 @@
                                 </p:cTn>
                               </p:par>
                               <p:par>
-                                <p:cTn id="37" presetID="2" presetClass="entr" presetSubtype="2" fill="hold" nodeType="withEffect">
+                                <p:cTn id="37" presetID="2" presetClass="entr" presetSubtype="2" fill="hold" grpId="0" nodeType="withEffect">
                                   <p:stCondLst>
                                     <p:cond delay="0"/>
                                   </p:stCondLst>
@@ -6330,9 +6231,9 @@
                                           </p:stCondLst>
                                         </p:cTn>
                                         <p:tgtEl>
-                                          <p:spTgt spid="11">
+                                          <p:spTgt spid="12">
                                             <p:txEl>
-                                              <p:pRg st="0" end="0"/>
+                                              <p:pRg st="1" end="1"/>
                                             </p:txEl>
                                           </p:spTgt>
                                         </p:tgtEl>
@@ -6348,9 +6249,9 @@
                                       <p:cBhvr additive="base">
                                         <p:cTn id="39" dur="1000" fill="hold"/>
                                         <p:tgtEl>
-                                          <p:spTgt spid="11">
+                                          <p:spTgt spid="12">
                                             <p:txEl>
-                                              <p:pRg st="0" end="0"/>
+                                              <p:pRg st="1" end="1"/>
                                             </p:txEl>
                                           </p:spTgt>
                                         </p:tgtEl>
@@ -6375,9 +6276,9 @@
                                       <p:cBhvr additive="base">
                                         <p:cTn id="40" dur="1000" fill="hold"/>
                                         <p:tgtEl>
-                                          <p:spTgt spid="11">
+                                          <p:spTgt spid="12">
                                             <p:txEl>
-                                              <p:pRg st="0" end="0"/>
+                                              <p:pRg st="1" end="1"/>
                                             </p:txEl>
                                           </p:spTgt>
                                         </p:tgtEl>
@@ -6402,116 +6303,93 @@
                                 </p:cTn>
                               </p:par>
                               <p:par>
-                                <p:cTn id="41" presetID="36" presetClass="path" presetSubtype="0" accel="50000" decel="50000" fill="hold" nodeType="withEffect">
-                                  <p:stCondLst>
-                                    <p:cond delay="0"/>
-                                  </p:stCondLst>
-                                  <p:childTnLst>
-                                    <p:animMotion origin="layout" path="M -0.90182 -0.84514 L -0.90182 -0.4243 C -0.90182 -0.23657 -0.65326 -2.96296E-6 -0.45638 -2.96296E-6 L 1.45833E-6 -2.96296E-6 " pathEditMode="relative" rAng="0" ptsTypes="AAAA">
-                                      <p:cBhvr>
-                                        <p:cTn id="42" dur="1500" spd="-100000" fill="hold"/>
-                                        <p:tgtEl>
-                                          <p:spTgt spid="13"/>
-                                        </p:tgtEl>
-                                        <p:attrNameLst>
-                                          <p:attrName>ppt_x</p:attrName>
-                                          <p:attrName>ppt_y</p:attrName>
-                                        </p:attrNameLst>
-                                      </p:cBhvr>
-                                      <p:rCtr x="45091" y="42245"/>
-                                    </p:animMotion>
-                                  </p:childTnLst>
-                                </p:cTn>
-                              </p:par>
-                              <p:par>
-                                <p:cTn id="43" presetID="6" presetClass="emph" presetSubtype="0" fill="hold" nodeType="withEffect">
-                                  <p:stCondLst>
-                                    <p:cond delay="0"/>
-                                  </p:stCondLst>
-                                  <p:childTnLst>
-                                    <p:animScale>
-                                      <p:cBhvr>
-                                        <p:cTn id="44" dur="1500" fill="hold"/>
-                                        <p:tgtEl>
-                                          <p:spTgt spid="13"/>
-                                        </p:tgtEl>
-                                      </p:cBhvr>
-                                      <p:by x="50000" y="50000"/>
-                                    </p:animScale>
-                                  </p:childTnLst>
-                                </p:cTn>
-                              </p:par>
-                              <p:par>
-                                <p:cTn id="45" presetID="8" presetClass="emph" presetSubtype="0" fill="hold" nodeType="withEffect">
-                                  <p:stCondLst>
-                                    <p:cond delay="0"/>
-                                  </p:stCondLst>
-                                  <p:childTnLst>
-                                    <p:animRot by="-5400000">
-                                      <p:cBhvr>
-                                        <p:cTn id="46" dur="1000" fill="hold"/>
-                                        <p:tgtEl>
-                                          <p:spTgt spid="13"/>
-                                        </p:tgtEl>
-                                        <p:attrNameLst>
-                                          <p:attrName>r</p:attrName>
-                                        </p:attrNameLst>
-                                      </p:cBhvr>
-                                    </p:animRot>
-                                  </p:childTnLst>
-                                </p:cTn>
-                              </p:par>
-                            </p:childTnLst>
-                          </p:cTn>
-                        </p:par>
-                        <p:par>
-                          <p:cTn id="47" fill="hold">
-                            <p:stCondLst>
-                              <p:cond delay="1500"/>
-                            </p:stCondLst>
-                            <p:childTnLst>
-                              <p:par>
-                                <p:cTn id="48" presetID="1" presetClass="exit" presetSubtype="0" fill="hold" nodeType="afterEffect">
+                                <p:cTn id="41" presetID="2" presetClass="entr" presetSubtype="2" fill="hold" grpId="0" nodeType="withEffect">
                                   <p:stCondLst>
                                     <p:cond delay="0"/>
                                   </p:stCondLst>
                                   <p:childTnLst>
                                     <p:set>
                                       <p:cBhvr>
-                                        <p:cTn id="49" dur="1" fill="hold">
+                                        <p:cTn id="42" dur="1" fill="hold">
                                           <p:stCondLst>
-                                            <p:cond delay="9"/>
+                                            <p:cond delay="0"/>
                                           </p:stCondLst>
                                         </p:cTn>
                                         <p:tgtEl>
-                                          <p:spTgt spid="13"/>
+                                          <p:spTgt spid="2"/>
                                         </p:tgtEl>
                                         <p:attrNameLst>
                                           <p:attrName>style.visibility</p:attrName>
                                         </p:attrNameLst>
                                       </p:cBhvr>
                                       <p:to>
-                                        <p:strVal val="hidden"/>
+                                        <p:strVal val="visible"/>
                                       </p:to>
                                     </p:set>
+                                    <p:anim calcmode="lin" valueType="num">
+                                      <p:cBhvr additive="base">
+                                        <p:cTn id="43" dur="1000" fill="hold"/>
+                                        <p:tgtEl>
+                                          <p:spTgt spid="2"/>
+                                        </p:tgtEl>
+                                        <p:attrNameLst>
+                                          <p:attrName>ppt_x</p:attrName>
+                                        </p:attrNameLst>
+                                      </p:cBhvr>
+                                      <p:tavLst>
+                                        <p:tav tm="0">
+                                          <p:val>
+                                            <p:strVal val="1+#ppt_w/2"/>
+                                          </p:val>
+                                        </p:tav>
+                                        <p:tav tm="100000">
+                                          <p:val>
+                                            <p:strVal val="#ppt_x"/>
+                                          </p:val>
+                                        </p:tav>
+                                      </p:tavLst>
+                                    </p:anim>
+                                    <p:anim calcmode="lin" valueType="num">
+                                      <p:cBhvr additive="base">
+                                        <p:cTn id="44" dur="1000" fill="hold"/>
+                                        <p:tgtEl>
+                                          <p:spTgt spid="2"/>
+                                        </p:tgtEl>
+                                        <p:attrNameLst>
+                                          <p:attrName>ppt_y</p:attrName>
+                                        </p:attrNameLst>
+                                      </p:cBhvr>
+                                      <p:tavLst>
+                                        <p:tav tm="0">
+                                          <p:val>
+                                            <p:strVal val="#ppt_y"/>
+                                          </p:val>
+                                        </p:tav>
+                                        <p:tav tm="100000">
+                                          <p:val>
+                                            <p:strVal val="#ppt_y"/>
+                                          </p:val>
+                                        </p:tav>
+                                      </p:tavLst>
+                                    </p:anim>
                                   </p:childTnLst>
                                 </p:cTn>
                               </p:par>
                               <p:par>
-                                <p:cTn id="50" presetID="1" presetClass="entr" presetSubtype="0" fill="hold" nodeType="withEffect">
+                                <p:cTn id="45" presetID="2" presetClass="entr" presetSubtype="2" fill="hold" grpId="0" nodeType="withEffect">
                                   <p:stCondLst>
                                     <p:cond delay="0"/>
                                   </p:stCondLst>
                                   <p:childTnLst>
                                     <p:set>
                                       <p:cBhvr>
-                                        <p:cTn id="51" dur="1" fill="hold">
+                                        <p:cTn id="46" dur="1" fill="hold">
                                           <p:stCondLst>
                                             <p:cond delay="0"/>
                                           </p:stCondLst>
                                         </p:cTn>
                                         <p:tgtEl>
-                                          <p:spTgt spid="29"/>
+                                          <p:spTgt spid="8"/>
                                         </p:tgtEl>
                                         <p:attrNameLst>
                                           <p:attrName>style.visibility</p:attrName>
@@ -6521,6 +6399,295 @@
                                         <p:strVal val="visible"/>
                                       </p:to>
                                     </p:set>
+                                    <p:anim calcmode="lin" valueType="num">
+                                      <p:cBhvr additive="base">
+                                        <p:cTn id="47" dur="1000" fill="hold"/>
+                                        <p:tgtEl>
+                                          <p:spTgt spid="8"/>
+                                        </p:tgtEl>
+                                        <p:attrNameLst>
+                                          <p:attrName>ppt_x</p:attrName>
+                                        </p:attrNameLst>
+                                      </p:cBhvr>
+                                      <p:tavLst>
+                                        <p:tav tm="0">
+                                          <p:val>
+                                            <p:strVal val="1+#ppt_w/2"/>
+                                          </p:val>
+                                        </p:tav>
+                                        <p:tav tm="100000">
+                                          <p:val>
+                                            <p:strVal val="#ppt_x"/>
+                                          </p:val>
+                                        </p:tav>
+                                      </p:tavLst>
+                                    </p:anim>
+                                    <p:anim calcmode="lin" valueType="num">
+                                      <p:cBhvr additive="base">
+                                        <p:cTn id="48" dur="1000" fill="hold"/>
+                                        <p:tgtEl>
+                                          <p:spTgt spid="8"/>
+                                        </p:tgtEl>
+                                        <p:attrNameLst>
+                                          <p:attrName>ppt_y</p:attrName>
+                                        </p:attrNameLst>
+                                      </p:cBhvr>
+                                      <p:tavLst>
+                                        <p:tav tm="0">
+                                          <p:val>
+                                            <p:strVal val="#ppt_y"/>
+                                          </p:val>
+                                        </p:tav>
+                                        <p:tav tm="100000">
+                                          <p:val>
+                                            <p:strVal val="#ppt_y"/>
+                                          </p:val>
+                                        </p:tav>
+                                      </p:tavLst>
+                                    </p:anim>
+                                  </p:childTnLst>
+                                </p:cTn>
+                              </p:par>
+                              <p:par>
+                                <p:cTn id="49" presetID="2" presetClass="entr" presetSubtype="2" fill="hold" grpId="0" nodeType="withEffect">
+                                  <p:stCondLst>
+                                    <p:cond delay="0"/>
+                                  </p:stCondLst>
+                                  <p:childTnLst>
+                                    <p:set>
+                                      <p:cBhvr>
+                                        <p:cTn id="50" dur="1" fill="hold">
+                                          <p:stCondLst>
+                                            <p:cond delay="0"/>
+                                          </p:stCondLst>
+                                        </p:cTn>
+                                        <p:tgtEl>
+                                          <p:spTgt spid="10"/>
+                                        </p:tgtEl>
+                                        <p:attrNameLst>
+                                          <p:attrName>style.visibility</p:attrName>
+                                        </p:attrNameLst>
+                                      </p:cBhvr>
+                                      <p:to>
+                                        <p:strVal val="visible"/>
+                                      </p:to>
+                                    </p:set>
+                                    <p:anim calcmode="lin" valueType="num">
+                                      <p:cBhvr additive="base">
+                                        <p:cTn id="51" dur="1000" fill="hold"/>
+                                        <p:tgtEl>
+                                          <p:spTgt spid="10"/>
+                                        </p:tgtEl>
+                                        <p:attrNameLst>
+                                          <p:attrName>ppt_x</p:attrName>
+                                        </p:attrNameLst>
+                                      </p:cBhvr>
+                                      <p:tavLst>
+                                        <p:tav tm="0">
+                                          <p:val>
+                                            <p:strVal val="1+#ppt_w/2"/>
+                                          </p:val>
+                                        </p:tav>
+                                        <p:tav tm="100000">
+                                          <p:val>
+                                            <p:strVal val="#ppt_x"/>
+                                          </p:val>
+                                        </p:tav>
+                                      </p:tavLst>
+                                    </p:anim>
+                                    <p:anim calcmode="lin" valueType="num">
+                                      <p:cBhvr additive="base">
+                                        <p:cTn id="52" dur="1000" fill="hold"/>
+                                        <p:tgtEl>
+                                          <p:spTgt spid="10"/>
+                                        </p:tgtEl>
+                                        <p:attrNameLst>
+                                          <p:attrName>ppt_y</p:attrName>
+                                        </p:attrNameLst>
+                                      </p:cBhvr>
+                                      <p:tavLst>
+                                        <p:tav tm="0">
+                                          <p:val>
+                                            <p:strVal val="#ppt_y"/>
+                                          </p:val>
+                                        </p:tav>
+                                        <p:tav tm="100000">
+                                          <p:val>
+                                            <p:strVal val="#ppt_y"/>
+                                          </p:val>
+                                        </p:tav>
+                                      </p:tavLst>
+                                    </p:anim>
+                                  </p:childTnLst>
+                                </p:cTn>
+                              </p:par>
+                              <p:par>
+                                <p:cTn id="53" presetID="2" presetClass="entr" presetSubtype="2" fill="hold" nodeType="withEffect">
+                                  <p:stCondLst>
+                                    <p:cond delay="0"/>
+                                  </p:stCondLst>
+                                  <p:childTnLst>
+                                    <p:set>
+                                      <p:cBhvr>
+                                        <p:cTn id="54" dur="1" fill="hold">
+                                          <p:stCondLst>
+                                            <p:cond delay="0"/>
+                                          </p:stCondLst>
+                                        </p:cTn>
+                                        <p:tgtEl>
+                                          <p:spTgt spid="9">
+                                            <p:txEl>
+                                              <p:pRg st="0" end="0"/>
+                                            </p:txEl>
+                                          </p:spTgt>
+                                        </p:tgtEl>
+                                        <p:attrNameLst>
+                                          <p:attrName>style.visibility</p:attrName>
+                                        </p:attrNameLst>
+                                      </p:cBhvr>
+                                      <p:to>
+                                        <p:strVal val="visible"/>
+                                      </p:to>
+                                    </p:set>
+                                    <p:anim calcmode="lin" valueType="num">
+                                      <p:cBhvr additive="base">
+                                        <p:cTn id="55" dur="1000" fill="hold"/>
+                                        <p:tgtEl>
+                                          <p:spTgt spid="9">
+                                            <p:txEl>
+                                              <p:pRg st="0" end="0"/>
+                                            </p:txEl>
+                                          </p:spTgt>
+                                        </p:tgtEl>
+                                        <p:attrNameLst>
+                                          <p:attrName>ppt_x</p:attrName>
+                                        </p:attrNameLst>
+                                      </p:cBhvr>
+                                      <p:tavLst>
+                                        <p:tav tm="0">
+                                          <p:val>
+                                            <p:strVal val="1+#ppt_w/2"/>
+                                          </p:val>
+                                        </p:tav>
+                                        <p:tav tm="100000">
+                                          <p:val>
+                                            <p:strVal val="#ppt_x"/>
+                                          </p:val>
+                                        </p:tav>
+                                      </p:tavLst>
+                                    </p:anim>
+                                    <p:anim calcmode="lin" valueType="num">
+                                      <p:cBhvr additive="base">
+                                        <p:cTn id="56" dur="1000" fill="hold"/>
+                                        <p:tgtEl>
+                                          <p:spTgt spid="9">
+                                            <p:txEl>
+                                              <p:pRg st="0" end="0"/>
+                                            </p:txEl>
+                                          </p:spTgt>
+                                        </p:tgtEl>
+                                        <p:attrNameLst>
+                                          <p:attrName>ppt_y</p:attrName>
+                                        </p:attrNameLst>
+                                      </p:cBhvr>
+                                      <p:tavLst>
+                                        <p:tav tm="0">
+                                          <p:val>
+                                            <p:strVal val="#ppt_y"/>
+                                          </p:val>
+                                        </p:tav>
+                                        <p:tav tm="100000">
+                                          <p:val>
+                                            <p:strVal val="#ppt_y"/>
+                                          </p:val>
+                                        </p:tav>
+                                      </p:tavLst>
+                                    </p:anim>
+                                  </p:childTnLst>
+                                </p:cTn>
+                              </p:par>
+                              <p:par>
+                                <p:cTn id="57" presetID="2" presetClass="entr" presetSubtype="2" fill="hold" nodeType="withEffect">
+                                  <p:stCondLst>
+                                    <p:cond delay="0"/>
+                                  </p:stCondLst>
+                                  <p:childTnLst>
+                                    <p:set>
+                                      <p:cBhvr>
+                                        <p:cTn id="58" dur="1" fill="hold">
+                                          <p:stCondLst>
+                                            <p:cond delay="0"/>
+                                          </p:stCondLst>
+                                        </p:cTn>
+                                        <p:tgtEl>
+                                          <p:spTgt spid="11">
+                                            <p:txEl>
+                                              <p:pRg st="0" end="0"/>
+                                            </p:txEl>
+                                          </p:spTgt>
+                                        </p:tgtEl>
+                                        <p:attrNameLst>
+                                          <p:attrName>style.visibility</p:attrName>
+                                        </p:attrNameLst>
+                                      </p:cBhvr>
+                                      <p:to>
+                                        <p:strVal val="visible"/>
+                                      </p:to>
+                                    </p:set>
+                                    <p:anim calcmode="lin" valueType="num">
+                                      <p:cBhvr additive="base">
+                                        <p:cTn id="59" dur="1000" fill="hold"/>
+                                        <p:tgtEl>
+                                          <p:spTgt spid="11">
+                                            <p:txEl>
+                                              <p:pRg st="0" end="0"/>
+                                            </p:txEl>
+                                          </p:spTgt>
+                                        </p:tgtEl>
+                                        <p:attrNameLst>
+                                          <p:attrName>ppt_x</p:attrName>
+                                        </p:attrNameLst>
+                                      </p:cBhvr>
+                                      <p:tavLst>
+                                        <p:tav tm="0">
+                                          <p:val>
+                                            <p:strVal val="1+#ppt_w/2"/>
+                                          </p:val>
+                                        </p:tav>
+                                        <p:tav tm="100000">
+                                          <p:val>
+                                            <p:strVal val="#ppt_x"/>
+                                          </p:val>
+                                        </p:tav>
+                                      </p:tavLst>
+                                    </p:anim>
+                                    <p:anim calcmode="lin" valueType="num">
+                                      <p:cBhvr additive="base">
+                                        <p:cTn id="60" dur="1000" fill="hold"/>
+                                        <p:tgtEl>
+                                          <p:spTgt spid="11">
+                                            <p:txEl>
+                                              <p:pRg st="0" end="0"/>
+                                            </p:txEl>
+                                          </p:spTgt>
+                                        </p:tgtEl>
+                                        <p:attrNameLst>
+                                          <p:attrName>ppt_y</p:attrName>
+                                        </p:attrNameLst>
+                                      </p:cBhvr>
+                                      <p:tavLst>
+                                        <p:tav tm="0">
+                                          <p:val>
+                                            <p:strVal val="#ppt_y"/>
+                                          </p:val>
+                                        </p:tav>
+                                        <p:tav tm="100000">
+                                          <p:val>
+                                            <p:strVal val="#ppt_y"/>
+                                          </p:val>
+                                        </p:tav>
+                                      </p:tavLst>
+                                    </p:anim>
                                   </p:childTnLst>
                                 </p:cTn>
                               </p:par>
@@ -6557,6 +6724,8 @@
       <p:bldP spid="8" grpId="0"/>
       <p:bldP spid="10" grpId="0"/>
       <p:bldP spid="12" grpId="0" uiExpand="1" build="p"/>
+      <p:bldP spid="21" grpId="1"/>
+      <p:bldP spid="5" grpId="0" animBg="1"/>
     </p:bldLst>
   </p:timing>
 </p:sld>
@@ -6608,30 +6777,6 @@
       </p:sp>
       <p:pic>
         <p:nvPicPr>
-          <p:cNvPr id="11" name="Grafik 10"/>
-          <p:cNvPicPr>
-            <a:picLocks noChangeAspect="1"/>
-          </p:cNvPicPr>
-          <p:nvPr/>
-        </p:nvPicPr>
-        <p:blipFill>
-          <a:blip r:embed="rId2"/>
-          <a:stretch>
-            <a:fillRect/>
-          </a:stretch>
-        </p:blipFill>
-        <p:spPr>
-          <a:xfrm rot="16200000">
-            <a:off x="-905606" y="-42866"/>
-            <a:ext cx="2630081" cy="1000127"/>
-          </a:xfrm>
-          <a:prstGeom prst="rect">
-            <a:avLst/>
-          </a:prstGeom>
-        </p:spPr>
-      </p:pic>
-      <p:pic>
-        <p:nvPicPr>
           <p:cNvPr id="5" name="Grafik 4"/>
           <p:cNvPicPr>
             <a:picLocks noChangeAspect="1"/>
@@ -6639,7 +6784,7 @@
           <p:nvPr/>
         </p:nvPicPr>
         <p:blipFill>
-          <a:blip r:embed="rId3">
+          <a:blip r:embed="rId2">
             <a:extLst>
               <a:ext uri="{28A0092B-C50C-407E-A947-70E740481C1C}">
                 <a14:useLocalDpi xmlns:a14="http://schemas.microsoft.com/office/drawing/2010/main" val="0"/>
@@ -6669,7 +6814,7 @@
           <p:nvPr/>
         </p:nvPicPr>
         <p:blipFill>
-          <a:blip r:embed="rId4">
+          <a:blip r:embed="rId3">
             <a:extLst>
               <a:ext uri="{28A0092B-C50C-407E-A947-70E740481C1C}">
                 <a14:useLocalDpi xmlns:a14="http://schemas.microsoft.com/office/drawing/2010/main" val="0"/>
@@ -6684,6 +6829,78 @@
           <a:xfrm>
             <a:off x="5925457" y="1287032"/>
             <a:ext cx="4945136" cy="879254"/>
+          </a:xfrm>
+          <a:prstGeom prst="rect">
+            <a:avLst/>
+          </a:prstGeom>
+        </p:spPr>
+      </p:pic>
+      <p:sp>
+        <p:nvSpPr>
+          <p:cNvPr id="3" name="Rechteck 2"/>
+          <p:cNvSpPr/>
+          <p:nvPr/>
+        </p:nvSpPr>
+        <p:spPr>
+          <a:xfrm>
+            <a:off x="0" y="989162"/>
+            <a:ext cx="1065267" cy="5664440"/>
+          </a:xfrm>
+          <a:prstGeom prst="rect">
+            <a:avLst/>
+          </a:prstGeom>
+          <a:solidFill>
+            <a:schemeClr val="bg1"/>
+          </a:solidFill>
+          <a:ln>
+            <a:solidFill>
+              <a:schemeClr val="bg1"/>
+            </a:solidFill>
+          </a:ln>
+        </p:spPr>
+        <p:style>
+          <a:lnRef idx="2">
+            <a:schemeClr val="accent1">
+              <a:shade val="50000"/>
+            </a:schemeClr>
+          </a:lnRef>
+          <a:fillRef idx="1">
+            <a:schemeClr val="accent1"/>
+          </a:fillRef>
+          <a:effectRef idx="0">
+            <a:schemeClr val="accent1"/>
+          </a:effectRef>
+          <a:fontRef idx="minor">
+            <a:schemeClr val="lt1"/>
+          </a:fontRef>
+        </p:style>
+        <p:txBody>
+          <a:bodyPr rtlCol="0" anchor="ctr"/>
+          <a:lstStyle/>
+          <a:p>
+            <a:pPr algn="ctr"/>
+            <a:endParaRPr lang="de-DE"/>
+          </a:p>
+        </p:txBody>
+      </p:sp>
+      <p:pic>
+        <p:nvPicPr>
+          <p:cNvPr id="7" name="Grafik 6"/>
+          <p:cNvPicPr>
+            <a:picLocks noChangeAspect="1"/>
+          </p:cNvPicPr>
+          <p:nvPr/>
+        </p:nvPicPr>
+        <p:blipFill>
+          <a:blip r:embed="rId4"/>
+          <a:stretch>
+            <a:fillRect/>
+          </a:stretch>
+        </p:blipFill>
+        <p:spPr>
+          <a:xfrm rot="16200000">
+            <a:off x="-860636" y="-87648"/>
+            <a:ext cx="2630081" cy="1000127"/>
           </a:xfrm>
           <a:prstGeom prst="rect">
             <a:avLst/>
@@ -6796,24 +7013,15 @@
                                   </p:childTnLst>
                                 </p:cTn>
                               </p:par>
-                            </p:childTnLst>
-                          </p:cTn>
-                        </p:par>
-                        <p:par>
-                          <p:cTn id="9" fill="hold">
-                            <p:stCondLst>
-                              <p:cond delay="1000"/>
-                            </p:stCondLst>
-                            <p:childTnLst>
                               <p:par>
-                                <p:cTn id="10" presetID="10" presetClass="entr" presetSubtype="0" fill="hold" nodeType="afterEffect">
+                                <p:cTn id="9" presetID="2" presetClass="entr" presetSubtype="2" fill="hold" nodeType="withEffect">
                                   <p:stCondLst>
                                     <p:cond delay="0"/>
                                   </p:stCondLst>
                                   <p:childTnLst>
                                     <p:set>
                                       <p:cBhvr>
-                                        <p:cTn id="11" dur="1" fill="hold">
+                                        <p:cTn id="10" dur="1" fill="hold">
                                           <p:stCondLst>
                                             <p:cond delay="0"/>
                                           </p:stCondLst>
@@ -6829,14 +7037,52 @@
                                         <p:strVal val="visible"/>
                                       </p:to>
                                     </p:set>
-                                    <p:animEffect transition="in" filter="fade">
-                                      <p:cBhvr>
-                                        <p:cTn id="12" dur="2000"/>
+                                    <p:anim calcmode="lin" valueType="num">
+                                      <p:cBhvr additive="base">
+                                        <p:cTn id="11" dur="1000" fill="hold"/>
                                         <p:tgtEl>
                                           <p:spTgt spid="5"/>
                                         </p:tgtEl>
-                                      </p:cBhvr>
-                                    </p:animEffect>
+                                        <p:attrNameLst>
+                                          <p:attrName>ppt_x</p:attrName>
+                                        </p:attrNameLst>
+                                      </p:cBhvr>
+                                      <p:tavLst>
+                                        <p:tav tm="0">
+                                          <p:val>
+                                            <p:strVal val="1+#ppt_w/2"/>
+                                          </p:val>
+                                        </p:tav>
+                                        <p:tav tm="100000">
+                                          <p:val>
+                                            <p:strVal val="#ppt_x"/>
+                                          </p:val>
+                                        </p:tav>
+                                      </p:tavLst>
+                                    </p:anim>
+                                    <p:anim calcmode="lin" valueType="num">
+                                      <p:cBhvr additive="base">
+                                        <p:cTn id="12" dur="1000" fill="hold"/>
+                                        <p:tgtEl>
+                                          <p:spTgt spid="5"/>
+                                        </p:tgtEl>
+                                        <p:attrNameLst>
+                                          <p:attrName>ppt_y</p:attrName>
+                                        </p:attrNameLst>
+                                      </p:cBhvr>
+                                      <p:tavLst>
+                                        <p:tav tm="0">
+                                          <p:val>
+                                            <p:strVal val="#ppt_y"/>
+                                          </p:val>
+                                        </p:tav>
+                                        <p:tav tm="100000">
+                                          <p:val>
+                                            <p:strVal val="#ppt_y"/>
+                                          </p:val>
+                                        </p:tav>
+                                      </p:tavLst>
+                                    </p:anim>
                                   </p:childTnLst>
                                 </p:cTn>
                               </p:par>
@@ -6846,13 +7092,13 @@
                         <p:par>
                           <p:cTn id="13" fill="hold">
                             <p:stCondLst>
-                              <p:cond delay="3000"/>
+                              <p:cond delay="1000"/>
                             </p:stCondLst>
                             <p:childTnLst>
                               <p:par>
                                 <p:cTn id="14" presetID="2" presetClass="entr" presetSubtype="8" fill="hold" nodeType="afterEffect">
                                   <p:stCondLst>
-                                    <p:cond delay="0"/>
+                                    <p:cond delay="500"/>
                                   </p:stCondLst>
                                   <p:childTnLst>
                                     <p:set>
@@ -7045,7 +7291,7 @@
       </p:sp>
       <p:pic>
         <p:nvPicPr>
-          <p:cNvPr id="5" name="Grafik 4"/>
+          <p:cNvPr id="6" name="Grafik 5"/>
           <p:cNvPicPr>
             <a:picLocks noChangeAspect="1"/>
           </p:cNvPicPr>
@@ -7059,7 +7305,7 @@
         </p:blipFill>
         <p:spPr>
           <a:xfrm rot="16200000">
-            <a:off x="-905606" y="-42866"/>
+            <a:off x="-860636" y="-87648"/>
             <a:ext cx="2630081" cy="1000127"/>
           </a:xfrm>
           <a:prstGeom prst="rect">
@@ -7075,7 +7321,7 @@
           </p:cNvPicPr>
           <p:nvPr/>
         </p:nvPicPr>
-        <p:blipFill>
+        <p:blipFill rotWithShape="1">
           <a:blip r:embed="rId3">
             <a:extLst>
               <a:ext uri="{28A0092B-C50C-407E-A947-70E740481C1C}">
@@ -7083,20 +7329,151 @@
               </a:ext>
             </a:extLst>
           </a:blip>
-          <a:stretch>
-            <a:fillRect/>
-          </a:stretch>
+          <a:srcRect l="6465" t="7997"/>
+          <a:stretch/>
         </p:blipFill>
         <p:spPr>
           <a:xfrm>
-            <a:off x="909500" y="1000664"/>
-            <a:ext cx="8398330" cy="5857336"/>
+            <a:off x="627016" y="1039913"/>
+            <a:ext cx="9071619" cy="5818087"/>
           </a:xfrm>
           <a:prstGeom prst="rect">
             <a:avLst/>
           </a:prstGeom>
         </p:spPr>
       </p:pic>
+      <p:sp>
+        <p:nvSpPr>
+          <p:cNvPr id="3" name="Textfeld 2"/>
+          <p:cNvSpPr txBox="1"/>
+          <p:nvPr/>
+        </p:nvSpPr>
+        <p:spPr>
+          <a:xfrm>
+            <a:off x="5003314" y="899885"/>
+            <a:ext cx="2265948" cy="631341"/>
+          </a:xfrm>
+          <a:prstGeom prst="rect">
+            <a:avLst/>
+          </a:prstGeom>
+          <a:noFill/>
+        </p:spPr>
+        <p:txBody>
+          <a:bodyPr wrap="square" rtlCol="0">
+            <a:spAutoFit/>
+          </a:bodyPr>
+          <a:lstStyle/>
+          <a:p>
+            <a:r>
+              <a:rPr lang="de-DE" sz="3200" dirty="0">
+                <a:solidFill>
+                  <a:srgbClr val="CC9900"/>
+                </a:solidFill>
+              </a:rPr>
+              <a:t>✔</a:t>
+            </a:r>
+          </a:p>
+        </p:txBody>
+      </p:sp>
+      <p:sp>
+        <p:nvSpPr>
+          <p:cNvPr id="8" name="Textfeld 7"/>
+          <p:cNvSpPr txBox="1"/>
+          <p:nvPr/>
+        </p:nvSpPr>
+        <p:spPr>
+          <a:xfrm>
+            <a:off x="5486152" y="2789126"/>
+            <a:ext cx="2265948" cy="631341"/>
+          </a:xfrm>
+          <a:prstGeom prst="rect">
+            <a:avLst/>
+          </a:prstGeom>
+          <a:noFill/>
+        </p:spPr>
+        <p:txBody>
+          <a:bodyPr wrap="square" rtlCol="0">
+            <a:spAutoFit/>
+          </a:bodyPr>
+          <a:lstStyle/>
+          <a:p>
+            <a:r>
+              <a:rPr lang="de-DE" sz="3200" dirty="0">
+                <a:solidFill>
+                  <a:srgbClr val="CC9900"/>
+                </a:solidFill>
+              </a:rPr>
+              <a:t>✔</a:t>
+            </a:r>
+          </a:p>
+        </p:txBody>
+      </p:sp>
+      <p:sp>
+        <p:nvSpPr>
+          <p:cNvPr id="9" name="Textfeld 8"/>
+          <p:cNvSpPr txBox="1"/>
+          <p:nvPr/>
+        </p:nvSpPr>
+        <p:spPr>
+          <a:xfrm>
+            <a:off x="3883959" y="3891182"/>
+            <a:ext cx="2265948" cy="631341"/>
+          </a:xfrm>
+          <a:prstGeom prst="rect">
+            <a:avLst/>
+          </a:prstGeom>
+          <a:noFill/>
+        </p:spPr>
+        <p:txBody>
+          <a:bodyPr wrap="square" rtlCol="0">
+            <a:spAutoFit/>
+          </a:bodyPr>
+          <a:lstStyle/>
+          <a:p>
+            <a:r>
+              <a:rPr lang="de-DE" sz="3200" dirty="0">
+                <a:solidFill>
+                  <a:srgbClr val="CC9900"/>
+                </a:solidFill>
+              </a:rPr>
+              <a:t>✔</a:t>
+            </a:r>
+          </a:p>
+        </p:txBody>
+      </p:sp>
+      <p:sp>
+        <p:nvSpPr>
+          <p:cNvPr id="10" name="Textfeld 9"/>
+          <p:cNvSpPr txBox="1"/>
+          <p:nvPr/>
+        </p:nvSpPr>
+        <p:spPr>
+          <a:xfrm>
+            <a:off x="5111007" y="5202457"/>
+            <a:ext cx="2265948" cy="631341"/>
+          </a:xfrm>
+          <a:prstGeom prst="rect">
+            <a:avLst/>
+          </a:prstGeom>
+          <a:noFill/>
+        </p:spPr>
+        <p:txBody>
+          <a:bodyPr wrap="square" rtlCol="0">
+            <a:spAutoFit/>
+          </a:bodyPr>
+          <a:lstStyle/>
+          <a:p>
+            <a:r>
+              <a:rPr lang="de-DE" sz="3200" dirty="0">
+                <a:solidFill>
+                  <a:srgbClr val="CC9900"/>
+                </a:solidFill>
+              </a:rPr>
+              <a:t>✔</a:t>
+            </a:r>
+          </a:p>
+        </p:txBody>
+      </p:sp>
     </p:spTree>
     <p:extLst>
       <p:ext uri="{BB962C8B-B14F-4D97-AF65-F5344CB8AC3E}">
@@ -7203,24 +7580,15 @@
                                   </p:childTnLst>
                                 </p:cTn>
                               </p:par>
-                            </p:childTnLst>
-                          </p:cTn>
-                        </p:par>
-                        <p:par>
-                          <p:cTn id="9" fill="hold">
-                            <p:stCondLst>
-                              <p:cond delay="1000"/>
-                            </p:stCondLst>
-                            <p:childTnLst>
                               <p:par>
-                                <p:cTn id="10" presetID="53" presetClass="entr" presetSubtype="16" fill="hold" nodeType="afterEffect">
+                                <p:cTn id="9" presetID="2" presetClass="entr" presetSubtype="2" fill="hold" nodeType="withEffect">
                                   <p:stCondLst>
                                     <p:cond delay="0"/>
                                   </p:stCondLst>
                                   <p:childTnLst>
                                     <p:set>
                                       <p:cBhvr>
-                                        <p:cTn id="11" dur="1" fill="hold">
+                                        <p:cTn id="10" dur="1" fill="hold">
                                           <p:stCondLst>
                                             <p:cond delay="0"/>
                                           </p:stCondLst>
@@ -7237,56 +7605,260 @@
                                       </p:to>
                                     </p:set>
                                     <p:anim calcmode="lin" valueType="num">
-                                      <p:cBhvr>
-                                        <p:cTn id="12" dur="1000" fill="hold"/>
+                                      <p:cBhvr additive="base">
+                                        <p:cTn id="11" dur="1000" fill="hold"/>
                                         <p:tgtEl>
                                           <p:spTgt spid="4"/>
                                         </p:tgtEl>
                                         <p:attrNameLst>
-                                          <p:attrName>ppt_w</p:attrName>
+                                          <p:attrName>ppt_x</p:attrName>
                                         </p:attrNameLst>
                                       </p:cBhvr>
                                       <p:tavLst>
                                         <p:tav tm="0">
                                           <p:val>
-                                            <p:fltVal val="0"/>
+                                            <p:strVal val="1+#ppt_w/2"/>
                                           </p:val>
                                         </p:tav>
                                         <p:tav tm="100000">
                                           <p:val>
-                                            <p:strVal val="#ppt_w"/>
+                                            <p:strVal val="#ppt_x"/>
                                           </p:val>
                                         </p:tav>
                                       </p:tavLst>
                                     </p:anim>
                                     <p:anim calcmode="lin" valueType="num">
-                                      <p:cBhvr>
-                                        <p:cTn id="13" dur="1000" fill="hold"/>
+                                      <p:cBhvr additive="base">
+                                        <p:cTn id="12" dur="1000" fill="hold"/>
                                         <p:tgtEl>
                                           <p:spTgt spid="4"/>
                                         </p:tgtEl>
                                         <p:attrNameLst>
-                                          <p:attrName>ppt_h</p:attrName>
+                                          <p:attrName>ppt_y</p:attrName>
                                         </p:attrNameLst>
                                       </p:cBhvr>
                                       <p:tavLst>
                                         <p:tav tm="0">
                                           <p:val>
-                                            <p:fltVal val="0"/>
+                                            <p:strVal val="#ppt_y"/>
                                           </p:val>
                                         </p:tav>
                                         <p:tav tm="100000">
                                           <p:val>
-                                            <p:strVal val="#ppt_h"/>
+                                            <p:strVal val="#ppt_y"/>
                                           </p:val>
                                         </p:tav>
                                       </p:tavLst>
                                     </p:anim>
-                                    <p:animEffect transition="in" filter="fade">
+                                  </p:childTnLst>
+                                </p:cTn>
+                              </p:par>
+                            </p:childTnLst>
+                          </p:cTn>
+                        </p:par>
+                      </p:childTnLst>
+                    </p:cTn>
+                  </p:par>
+                  <p:par>
+                    <p:cTn id="13" fill="hold">
+                      <p:stCondLst>
+                        <p:cond delay="indefinite"/>
+                      </p:stCondLst>
+                      <p:childTnLst>
+                        <p:par>
+                          <p:cTn id="14" fill="hold">
+                            <p:stCondLst>
+                              <p:cond delay="0"/>
+                            </p:stCondLst>
+                            <p:childTnLst>
+                              <p:par>
+                                <p:cTn id="15" presetID="22" presetClass="entr" presetSubtype="8" fill="hold" grpId="0" nodeType="clickEffect">
+                                  <p:stCondLst>
+                                    <p:cond delay="0"/>
+                                  </p:stCondLst>
+                                  <p:childTnLst>
+                                    <p:set>
                                       <p:cBhvr>
-                                        <p:cTn id="14" dur="1000"/>
-                                        <p:tgtEl>
-                                          <p:spTgt spid="4"/>
+                                        <p:cTn id="16" dur="1" fill="hold">
+                                          <p:stCondLst>
+                                            <p:cond delay="0"/>
+                                          </p:stCondLst>
+                                        </p:cTn>
+                                        <p:tgtEl>
+                                          <p:spTgt spid="3"/>
+                                        </p:tgtEl>
+                                        <p:attrNameLst>
+                                          <p:attrName>style.visibility</p:attrName>
+                                        </p:attrNameLst>
+                                      </p:cBhvr>
+                                      <p:to>
+                                        <p:strVal val="visible"/>
+                                      </p:to>
+                                    </p:set>
+                                    <p:animEffect transition="in" filter="wipe(left)">
+                                      <p:cBhvr>
+                                        <p:cTn id="17" dur="2000"/>
+                                        <p:tgtEl>
+                                          <p:spTgt spid="3"/>
+                                        </p:tgtEl>
+                                      </p:cBhvr>
+                                    </p:animEffect>
+                                  </p:childTnLst>
+                                </p:cTn>
+                              </p:par>
+                            </p:childTnLst>
+                          </p:cTn>
+                        </p:par>
+                      </p:childTnLst>
+                    </p:cTn>
+                  </p:par>
+                  <p:par>
+                    <p:cTn id="18" fill="hold">
+                      <p:stCondLst>
+                        <p:cond delay="indefinite"/>
+                      </p:stCondLst>
+                      <p:childTnLst>
+                        <p:par>
+                          <p:cTn id="19" fill="hold">
+                            <p:stCondLst>
+                              <p:cond delay="0"/>
+                            </p:stCondLst>
+                            <p:childTnLst>
+                              <p:par>
+                                <p:cTn id="20" presetID="22" presetClass="entr" presetSubtype="8" fill="hold" grpId="0" nodeType="clickEffect">
+                                  <p:stCondLst>
+                                    <p:cond delay="0"/>
+                                  </p:stCondLst>
+                                  <p:childTnLst>
+                                    <p:set>
+                                      <p:cBhvr>
+                                        <p:cTn id="21" dur="1" fill="hold">
+                                          <p:stCondLst>
+                                            <p:cond delay="0"/>
+                                          </p:stCondLst>
+                                        </p:cTn>
+                                        <p:tgtEl>
+                                          <p:spTgt spid="8"/>
+                                        </p:tgtEl>
+                                        <p:attrNameLst>
+                                          <p:attrName>style.visibility</p:attrName>
+                                        </p:attrNameLst>
+                                      </p:cBhvr>
+                                      <p:to>
+                                        <p:strVal val="visible"/>
+                                      </p:to>
+                                    </p:set>
+                                    <p:animEffect transition="in" filter="wipe(left)">
+                                      <p:cBhvr>
+                                        <p:cTn id="22" dur="2000"/>
+                                        <p:tgtEl>
+                                          <p:spTgt spid="8"/>
+                                        </p:tgtEl>
+                                      </p:cBhvr>
+                                    </p:animEffect>
+                                  </p:childTnLst>
+                                </p:cTn>
+                              </p:par>
+                            </p:childTnLst>
+                          </p:cTn>
+                        </p:par>
+                      </p:childTnLst>
+                    </p:cTn>
+                  </p:par>
+                  <p:par>
+                    <p:cTn id="23" fill="hold">
+                      <p:stCondLst>
+                        <p:cond delay="indefinite"/>
+                      </p:stCondLst>
+                      <p:childTnLst>
+                        <p:par>
+                          <p:cTn id="24" fill="hold">
+                            <p:stCondLst>
+                              <p:cond delay="0"/>
+                            </p:stCondLst>
+                            <p:childTnLst>
+                              <p:par>
+                                <p:cTn id="25" presetID="22" presetClass="entr" presetSubtype="8" fill="hold" grpId="0" nodeType="clickEffect">
+                                  <p:stCondLst>
+                                    <p:cond delay="0"/>
+                                  </p:stCondLst>
+                                  <p:childTnLst>
+                                    <p:set>
+                                      <p:cBhvr>
+                                        <p:cTn id="26" dur="1" fill="hold">
+                                          <p:stCondLst>
+                                            <p:cond delay="0"/>
+                                          </p:stCondLst>
+                                        </p:cTn>
+                                        <p:tgtEl>
+                                          <p:spTgt spid="9"/>
+                                        </p:tgtEl>
+                                        <p:attrNameLst>
+                                          <p:attrName>style.visibility</p:attrName>
+                                        </p:attrNameLst>
+                                      </p:cBhvr>
+                                      <p:to>
+                                        <p:strVal val="visible"/>
+                                      </p:to>
+                                    </p:set>
+                                    <p:animEffect transition="in" filter="wipe(left)">
+                                      <p:cBhvr>
+                                        <p:cTn id="27" dur="2000"/>
+                                        <p:tgtEl>
+                                          <p:spTgt spid="9"/>
+                                        </p:tgtEl>
+                                      </p:cBhvr>
+                                    </p:animEffect>
+                                  </p:childTnLst>
+                                </p:cTn>
+                              </p:par>
+                            </p:childTnLst>
+                          </p:cTn>
+                        </p:par>
+                      </p:childTnLst>
+                    </p:cTn>
+                  </p:par>
+                  <p:par>
+                    <p:cTn id="28" fill="hold">
+                      <p:stCondLst>
+                        <p:cond delay="indefinite"/>
+                      </p:stCondLst>
+                      <p:childTnLst>
+                        <p:par>
+                          <p:cTn id="29" fill="hold">
+                            <p:stCondLst>
+                              <p:cond delay="0"/>
+                            </p:stCondLst>
+                            <p:childTnLst>
+                              <p:par>
+                                <p:cTn id="30" presetID="22" presetClass="entr" presetSubtype="8" fill="hold" grpId="0" nodeType="clickEffect">
+                                  <p:stCondLst>
+                                    <p:cond delay="0"/>
+                                  </p:stCondLst>
+                                  <p:childTnLst>
+                                    <p:set>
+                                      <p:cBhvr>
+                                        <p:cTn id="31" dur="1" fill="hold">
+                                          <p:stCondLst>
+                                            <p:cond delay="0"/>
+                                          </p:stCondLst>
+                                        </p:cTn>
+                                        <p:tgtEl>
+                                          <p:spTgt spid="10"/>
+                                        </p:tgtEl>
+                                        <p:attrNameLst>
+                                          <p:attrName>style.visibility</p:attrName>
+                                        </p:attrNameLst>
+                                      </p:cBhvr>
+                                      <p:to>
+                                        <p:strVal val="visible"/>
+                                      </p:to>
+                                    </p:set>
+                                    <p:animEffect transition="in" filter="wipe(left)">
+                                      <p:cBhvr>
+                                        <p:cTn id="32" dur="2000"/>
+                                        <p:tgtEl>
+                                          <p:spTgt spid="10"/>
                                         </p:tgtEl>
                                       </p:cBhvr>
                                     </p:animEffect>
@@ -7322,6 +7894,10 @@
     </p:tnLst>
     <p:bldLst>
       <p:bldP spid="2" grpId="0"/>
+      <p:bldP spid="3" grpId="0"/>
+      <p:bldP spid="8" grpId="0"/>
+      <p:bldP spid="9" grpId="0"/>
+      <p:bldP spid="10" grpId="0"/>
     </p:bldLst>
   </p:timing>
 </p:sld>
@@ -7344,30 +7920,6 @@
           <a:chExt cx="0" cy="0"/>
         </a:xfrm>
       </p:grpSpPr>
-      <p:pic>
-        <p:nvPicPr>
-          <p:cNvPr id="14" name="Grafik 13"/>
-          <p:cNvPicPr>
-            <a:picLocks noChangeAspect="1"/>
-          </p:cNvPicPr>
-          <p:nvPr/>
-        </p:nvPicPr>
-        <p:blipFill>
-          <a:blip r:embed="rId2"/>
-          <a:stretch>
-            <a:fillRect/>
-          </a:stretch>
-        </p:blipFill>
-        <p:spPr>
-          <a:xfrm>
-            <a:off x="409434" y="-122525"/>
-            <a:ext cx="12125995" cy="6980525"/>
-          </a:xfrm>
-          <a:prstGeom prst="rect">
-            <a:avLst/>
-          </a:prstGeom>
-        </p:spPr>
-      </p:pic>
       <p:sp>
         <p:nvSpPr>
           <p:cNvPr id="12" name="Abgerundetes Rechteck 11"/>
@@ -7411,63 +7963,64 @@
           <a:bodyPr rtlCol="0" anchor="ctr"/>
           <a:lstStyle/>
           <a:p>
-            <a:pPr algn="ctr"/>
-            <a:endParaRPr lang="de-DE"/>
-          </a:p>
-        </p:txBody>
-      </p:sp>
-      <p:sp>
-        <p:nvSpPr>
-          <p:cNvPr id="2" name="Titel 1"/>
-          <p:cNvSpPr>
-            <a:spLocks noGrp="1"/>
-          </p:cNvSpPr>
-          <p:nvPr>
-            <p:ph type="ctrTitle"/>
-          </p:nvPr>
-        </p:nvSpPr>
-        <p:spPr>
-          <a:xfrm>
-            <a:off x="304800" y="1853081"/>
-            <a:ext cx="8650517" cy="2387600"/>
-          </a:xfrm>
-        </p:spPr>
-        <p:txBody>
-          <a:bodyPr anchor="ctr">
-            <a:noAutofit/>
-          </a:bodyPr>
-          <a:lstStyle/>
-          <a:p>
             <a:pPr algn="r"/>
             <a:r>
-              <a:rPr lang="de-DE" sz="9600" b="1" dirty="0">
+              <a:rPr lang="de-DE" sz="8800" b="1" dirty="0">
                 <a:solidFill>
                   <a:schemeClr val="bg1"/>
                 </a:solidFill>
               </a:rPr>
-              <a:t>Vielen Dank!</a:t>
-            </a:r>
+              <a:t>Vielen </a:t>
+            </a:r>
+            <a:r>
+              <a:rPr lang="de-DE" sz="8800" b="1" dirty="0" smtClean="0">
+                <a:solidFill>
+                  <a:schemeClr val="bg1"/>
+                </a:solidFill>
+              </a:rPr>
+              <a:t>Dank</a:t>
+            </a:r>
+          </a:p>
+          <a:p>
+            <a:pPr algn="r"/>
+            <a:r>
+              <a:rPr lang="de-DE" sz="8800" dirty="0" smtClean="0">
+                <a:solidFill>
+                  <a:schemeClr val="bg1"/>
+                </a:solidFill>
+              </a:rPr>
+              <a:t>für </a:t>
+            </a:r>
+            <a:r>
+              <a:rPr lang="de-DE" sz="8800" dirty="0">
+                <a:solidFill>
+                  <a:schemeClr val="bg1"/>
+                </a:solidFill>
+              </a:rPr>
+              <a:t>Ihr Vertrauen!</a:t>
+            </a:r>
+            <a:endParaRPr lang="de-DE" sz="8800" dirty="0"/>
           </a:p>
         </p:txBody>
       </p:sp>
       <p:pic>
         <p:nvPicPr>
-          <p:cNvPr id="15" name="Grafik 14"/>
+          <p:cNvPr id="2" name="Grafik 1"/>
           <p:cNvPicPr>
             <a:picLocks noChangeAspect="1"/>
           </p:cNvPicPr>
           <p:nvPr/>
         </p:nvPicPr>
         <p:blipFill>
-          <a:blip r:embed="rId3"/>
+          <a:blip r:embed="rId2"/>
           <a:stretch>
             <a:fillRect/>
           </a:stretch>
         </p:blipFill>
         <p:spPr>
-          <a:xfrm rot="16200000">
-            <a:off x="-905606" y="-42866"/>
-            <a:ext cx="2630081" cy="1000127"/>
+          <a:xfrm>
+            <a:off x="-19050" y="-902881"/>
+            <a:ext cx="12510076" cy="7760881"/>
           </a:xfrm>
           <a:prstGeom prst="rect">
             <a:avLst/>
@@ -7508,7 +8061,7 @@
                             </p:stCondLst>
                             <p:childTnLst>
                               <p:par>
-                                <p:cTn id="5" presetID="2" presetClass="exit" presetSubtype="1" fill="hold" nodeType="afterEffect">
+                                <p:cTn id="5" presetID="2" presetClass="exit" presetSubtype="1" fill="hold" nodeType="withEffect">
                                   <p:stCondLst>
                                     <p:cond delay="0"/>
                                   </p:stCondLst>
@@ -7517,7 +8070,7 @@
                                       <p:cBhvr additive="base">
                                         <p:cTn id="6" dur="1500"/>
                                         <p:tgtEl>
-                                          <p:spTgt spid="14"/>
+                                          <p:spTgt spid="2"/>
                                         </p:tgtEl>
                                         <p:attrNameLst>
                                           <p:attrName>ppt_x</p:attrName>
@@ -7540,7 +8093,7 @@
                                       <p:cBhvr additive="base">
                                         <p:cTn id="7" dur="1500"/>
                                         <p:tgtEl>
-                                          <p:spTgt spid="14"/>
+                                          <p:spTgt spid="2"/>
                                         </p:tgtEl>
                                         <p:attrNameLst>
                                           <p:attrName>ppt_y</p:attrName>
@@ -7567,7 +8120,7 @@
                                           </p:stCondLst>
                                         </p:cTn>
                                         <p:tgtEl>
-                                          <p:spTgt spid="14"/>
+                                          <p:spTgt spid="2"/>
                                         </p:tgtEl>
                                         <p:attrNameLst>
                                           <p:attrName>style.visibility</p:attrName>
@@ -7594,7 +8147,7 @@
                                           </p:stCondLst>
                                         </p:cTn>
                                         <p:tgtEl>
-                                          <p:spTgt spid="2"/>
+                                          <p:spTgt spid="12"/>
                                         </p:tgtEl>
                                         <p:attrNameLst>
                                           <p:attrName>style.visibility</p:attrName>
@@ -7608,7 +8161,7 @@
                                       <p:cBhvr additive="base">
                                         <p:cTn id="11" dur="1500" fill="hold"/>
                                         <p:tgtEl>
-                                          <p:spTgt spid="2"/>
+                                          <p:spTgt spid="12"/>
                                         </p:tgtEl>
                                         <p:attrNameLst>
                                           <p:attrName>ppt_x</p:attrName>
@@ -7630,79 +8183,6 @@
                                     <p:anim calcmode="lin" valueType="num">
                                       <p:cBhvr additive="base">
                                         <p:cTn id="12" dur="1500" fill="hold"/>
-                                        <p:tgtEl>
-                                          <p:spTgt spid="2"/>
-                                        </p:tgtEl>
-                                        <p:attrNameLst>
-                                          <p:attrName>ppt_y</p:attrName>
-                                        </p:attrNameLst>
-                                      </p:cBhvr>
-                                      <p:tavLst>
-                                        <p:tav tm="0">
-                                          <p:val>
-                                            <p:strVal val="1+#ppt_h/2"/>
-                                          </p:val>
-                                        </p:tav>
-                                        <p:tav tm="100000">
-                                          <p:val>
-                                            <p:strVal val="#ppt_y"/>
-                                          </p:val>
-                                        </p:tav>
-                                      </p:tavLst>
-                                    </p:anim>
-                                  </p:childTnLst>
-                                </p:cTn>
-                              </p:par>
-                              <p:par>
-                                <p:cTn id="13" presetID="2" presetClass="entr" presetSubtype="4" fill="hold" grpId="0" nodeType="withEffect">
-                                  <p:stCondLst>
-                                    <p:cond delay="500"/>
-                                  </p:stCondLst>
-                                  <p:childTnLst>
-                                    <p:set>
-                                      <p:cBhvr>
-                                        <p:cTn id="14" dur="1" fill="hold">
-                                          <p:stCondLst>
-                                            <p:cond delay="0"/>
-                                          </p:stCondLst>
-                                        </p:cTn>
-                                        <p:tgtEl>
-                                          <p:spTgt spid="12"/>
-                                        </p:tgtEl>
-                                        <p:attrNameLst>
-                                          <p:attrName>style.visibility</p:attrName>
-                                        </p:attrNameLst>
-                                      </p:cBhvr>
-                                      <p:to>
-                                        <p:strVal val="visible"/>
-                                      </p:to>
-                                    </p:set>
-                                    <p:anim calcmode="lin" valueType="num">
-                                      <p:cBhvr additive="base">
-                                        <p:cTn id="15" dur="1500" fill="hold"/>
-                                        <p:tgtEl>
-                                          <p:spTgt spid="12"/>
-                                        </p:tgtEl>
-                                        <p:attrNameLst>
-                                          <p:attrName>ppt_x</p:attrName>
-                                        </p:attrNameLst>
-                                      </p:cBhvr>
-                                      <p:tavLst>
-                                        <p:tav tm="0">
-                                          <p:val>
-                                            <p:strVal val="#ppt_x"/>
-                                          </p:val>
-                                        </p:tav>
-                                        <p:tav tm="100000">
-                                          <p:val>
-                                            <p:strVal val="#ppt_x"/>
-                                          </p:val>
-                                        </p:tav>
-                                      </p:tavLst>
-                                    </p:anim>
-                                    <p:anim calcmode="lin" valueType="num">
-                                      <p:cBhvr additive="base">
-                                        <p:cTn id="16" dur="1500" fill="hold"/>
                                         <p:tgtEl>
                                           <p:spTgt spid="12"/>
                                         </p:tgtEl>
@@ -7755,7 +8235,6 @@
     </p:tnLst>
     <p:bldLst>
       <p:bldP spid="12" grpId="0" animBg="1"/>
-      <p:bldP spid="2" grpId="0"/>
     </p:bldLst>
   </p:timing>
 </p:sld>
